--- a/springbootproject.pptx
+++ b/springbootproject.pptx
@@ -152,7 +152,7 @@
           <p:cNvPr id="2" name="Title 1">
             <a:extLst>
               <a:ext uri="{FF2B5EF4-FFF2-40B4-BE49-F238E27FC236}">
-                <a16:creationId xmlns:a16="http://schemas.microsoft.com/office/drawing/2014/main" id="{1A934176-F395-47F1-8570-831056D6925B}"/>
+                <a16:creationId xmlns:a16="http://schemas.microsoft.com/office/drawing/2014/main" xmlns="" id="{1A934176-F395-47F1-8570-831056D6925B}"/>
               </a:ext>
             </a:extLst>
           </p:cNvPr>
@@ -190,7 +190,7 @@
           <p:cNvPr id="3" name="Subtitle 2">
             <a:extLst>
               <a:ext uri="{FF2B5EF4-FFF2-40B4-BE49-F238E27FC236}">
-                <a16:creationId xmlns:a16="http://schemas.microsoft.com/office/drawing/2014/main" id="{A423D05A-94D6-4D0F-8A5F-54371CB05FE8}"/>
+                <a16:creationId xmlns:a16="http://schemas.microsoft.com/office/drawing/2014/main" xmlns="" id="{A423D05A-94D6-4D0F-8A5F-54371CB05FE8}"/>
               </a:ext>
             </a:extLst>
           </p:cNvPr>
@@ -261,7 +261,7 @@
           <p:cNvPr id="4" name="Date Placeholder 3">
             <a:extLst>
               <a:ext uri="{FF2B5EF4-FFF2-40B4-BE49-F238E27FC236}">
-                <a16:creationId xmlns:a16="http://schemas.microsoft.com/office/drawing/2014/main" id="{3C24C06B-D744-4BBB-BAA6-834D14F37859}"/>
+                <a16:creationId xmlns:a16="http://schemas.microsoft.com/office/drawing/2014/main" xmlns="" id="{3C24C06B-D744-4BBB-BAA6-834D14F37859}"/>
               </a:ext>
             </a:extLst>
           </p:cNvPr>
@@ -279,7 +279,7 @@
           <a:p>
             <a:fld id="{76D0F005-21A2-4026-BD52-97C6BDA88D80}" type="datetimeFigureOut">
               <a:rPr lang="en-IN" smtClean="0"/>
-              <a:t>23-03-2022</a:t>
+              <a:t>05-03-2023</a:t>
             </a:fld>
             <a:endParaRPr lang="en-IN"/>
           </a:p>
@@ -290,7 +290,7 @@
           <p:cNvPr id="5" name="Footer Placeholder 4">
             <a:extLst>
               <a:ext uri="{FF2B5EF4-FFF2-40B4-BE49-F238E27FC236}">
-                <a16:creationId xmlns:a16="http://schemas.microsoft.com/office/drawing/2014/main" id="{31217642-2D90-4D79-9C73-7C229AD2F372}"/>
+                <a16:creationId xmlns:a16="http://schemas.microsoft.com/office/drawing/2014/main" xmlns="" id="{31217642-2D90-4D79-9C73-7C229AD2F372}"/>
               </a:ext>
             </a:extLst>
           </p:cNvPr>
@@ -315,7 +315,7 @@
           <p:cNvPr id="6" name="Slide Number Placeholder 5">
             <a:extLst>
               <a:ext uri="{FF2B5EF4-FFF2-40B4-BE49-F238E27FC236}">
-                <a16:creationId xmlns:a16="http://schemas.microsoft.com/office/drawing/2014/main" id="{D347E78A-CFBD-4663-ABEE-04B12C49D17B}"/>
+                <a16:creationId xmlns:a16="http://schemas.microsoft.com/office/drawing/2014/main" xmlns="" id="{D347E78A-CFBD-4663-ABEE-04B12C49D17B}"/>
               </a:ext>
             </a:extLst>
           </p:cNvPr>
@@ -374,7 +374,7 @@
           <p:cNvPr id="2" name="Title 1">
             <a:extLst>
               <a:ext uri="{FF2B5EF4-FFF2-40B4-BE49-F238E27FC236}">
-                <a16:creationId xmlns:a16="http://schemas.microsoft.com/office/drawing/2014/main" id="{61B667C0-F687-4412-9C0D-5507FBF0DDED}"/>
+                <a16:creationId xmlns:a16="http://schemas.microsoft.com/office/drawing/2014/main" xmlns="" id="{61B667C0-F687-4412-9C0D-5507FBF0DDED}"/>
               </a:ext>
             </a:extLst>
           </p:cNvPr>
@@ -403,7 +403,7 @@
           <p:cNvPr id="3" name="Vertical Text Placeholder 2">
             <a:extLst>
               <a:ext uri="{FF2B5EF4-FFF2-40B4-BE49-F238E27FC236}">
-                <a16:creationId xmlns:a16="http://schemas.microsoft.com/office/drawing/2014/main" id="{E15192C0-A6C5-4F94-B289-44C022E6FCE1}"/>
+                <a16:creationId xmlns:a16="http://schemas.microsoft.com/office/drawing/2014/main" xmlns="" id="{E15192C0-A6C5-4F94-B289-44C022E6FCE1}"/>
               </a:ext>
             </a:extLst>
           </p:cNvPr>
@@ -461,7 +461,7 @@
           <p:cNvPr id="4" name="Date Placeholder 3">
             <a:extLst>
               <a:ext uri="{FF2B5EF4-FFF2-40B4-BE49-F238E27FC236}">
-                <a16:creationId xmlns:a16="http://schemas.microsoft.com/office/drawing/2014/main" id="{8B5EDE74-F667-4CEA-9200-9636C872D9B7}"/>
+                <a16:creationId xmlns:a16="http://schemas.microsoft.com/office/drawing/2014/main" xmlns="" id="{8B5EDE74-F667-4CEA-9200-9636C872D9B7}"/>
               </a:ext>
             </a:extLst>
           </p:cNvPr>
@@ -479,7 +479,7 @@
           <a:p>
             <a:fld id="{76D0F005-21A2-4026-BD52-97C6BDA88D80}" type="datetimeFigureOut">
               <a:rPr lang="en-IN" smtClean="0"/>
-              <a:t>23-03-2022</a:t>
+              <a:t>05-03-2023</a:t>
             </a:fld>
             <a:endParaRPr lang="en-IN"/>
           </a:p>
@@ -490,7 +490,7 @@
           <p:cNvPr id="5" name="Footer Placeholder 4">
             <a:extLst>
               <a:ext uri="{FF2B5EF4-FFF2-40B4-BE49-F238E27FC236}">
-                <a16:creationId xmlns:a16="http://schemas.microsoft.com/office/drawing/2014/main" id="{7D4DD074-02BC-4F84-AB5A-10E67FC4E99C}"/>
+                <a16:creationId xmlns:a16="http://schemas.microsoft.com/office/drawing/2014/main" xmlns="" id="{7D4DD074-02BC-4F84-AB5A-10E67FC4E99C}"/>
               </a:ext>
             </a:extLst>
           </p:cNvPr>
@@ -515,7 +515,7 @@
           <p:cNvPr id="6" name="Slide Number Placeholder 5">
             <a:extLst>
               <a:ext uri="{FF2B5EF4-FFF2-40B4-BE49-F238E27FC236}">
-                <a16:creationId xmlns:a16="http://schemas.microsoft.com/office/drawing/2014/main" id="{0C37FE5E-E8B1-4034-94FE-D3C74491486A}"/>
+                <a16:creationId xmlns:a16="http://schemas.microsoft.com/office/drawing/2014/main" xmlns="" id="{0C37FE5E-E8B1-4034-94FE-D3C74491486A}"/>
               </a:ext>
             </a:extLst>
           </p:cNvPr>
@@ -574,7 +574,7 @@
           <p:cNvPr id="2" name="Vertical Title 1">
             <a:extLst>
               <a:ext uri="{FF2B5EF4-FFF2-40B4-BE49-F238E27FC236}">
-                <a16:creationId xmlns:a16="http://schemas.microsoft.com/office/drawing/2014/main" id="{100AA17B-9985-42F0-97C3-4D928B0CB043}"/>
+                <a16:creationId xmlns:a16="http://schemas.microsoft.com/office/drawing/2014/main" xmlns="" id="{100AA17B-9985-42F0-97C3-4D928B0CB043}"/>
               </a:ext>
             </a:extLst>
           </p:cNvPr>
@@ -608,7 +608,7 @@
           <p:cNvPr id="3" name="Vertical Text Placeholder 2">
             <a:extLst>
               <a:ext uri="{FF2B5EF4-FFF2-40B4-BE49-F238E27FC236}">
-                <a16:creationId xmlns:a16="http://schemas.microsoft.com/office/drawing/2014/main" id="{40BAC4CE-3185-4E9F-973B-1D4B3AE15FA1}"/>
+                <a16:creationId xmlns:a16="http://schemas.microsoft.com/office/drawing/2014/main" xmlns="" id="{40BAC4CE-3185-4E9F-973B-1D4B3AE15FA1}"/>
               </a:ext>
             </a:extLst>
           </p:cNvPr>
@@ -671,7 +671,7 @@
           <p:cNvPr id="4" name="Date Placeholder 3">
             <a:extLst>
               <a:ext uri="{FF2B5EF4-FFF2-40B4-BE49-F238E27FC236}">
-                <a16:creationId xmlns:a16="http://schemas.microsoft.com/office/drawing/2014/main" id="{B4CCD088-8D5D-4CF8-8E74-D5C5BE9576E7}"/>
+                <a16:creationId xmlns:a16="http://schemas.microsoft.com/office/drawing/2014/main" xmlns="" id="{B4CCD088-8D5D-4CF8-8E74-D5C5BE9576E7}"/>
               </a:ext>
             </a:extLst>
           </p:cNvPr>
@@ -689,7 +689,7 @@
           <a:p>
             <a:fld id="{76D0F005-21A2-4026-BD52-97C6BDA88D80}" type="datetimeFigureOut">
               <a:rPr lang="en-IN" smtClean="0"/>
-              <a:t>23-03-2022</a:t>
+              <a:t>05-03-2023</a:t>
             </a:fld>
             <a:endParaRPr lang="en-IN"/>
           </a:p>
@@ -700,7 +700,7 @@
           <p:cNvPr id="5" name="Footer Placeholder 4">
             <a:extLst>
               <a:ext uri="{FF2B5EF4-FFF2-40B4-BE49-F238E27FC236}">
-                <a16:creationId xmlns:a16="http://schemas.microsoft.com/office/drawing/2014/main" id="{750BB8B3-18FB-49AD-B18A-24B1CF9D07F8}"/>
+                <a16:creationId xmlns:a16="http://schemas.microsoft.com/office/drawing/2014/main" xmlns="" id="{750BB8B3-18FB-49AD-B18A-24B1CF9D07F8}"/>
               </a:ext>
             </a:extLst>
           </p:cNvPr>
@@ -725,7 +725,7 @@
           <p:cNvPr id="6" name="Slide Number Placeholder 5">
             <a:extLst>
               <a:ext uri="{FF2B5EF4-FFF2-40B4-BE49-F238E27FC236}">
-                <a16:creationId xmlns:a16="http://schemas.microsoft.com/office/drawing/2014/main" id="{3542EA8D-1D8B-486F-9461-8DEA366C7A1C}"/>
+                <a16:creationId xmlns:a16="http://schemas.microsoft.com/office/drawing/2014/main" xmlns="" id="{3542EA8D-1D8B-486F-9461-8DEA366C7A1C}"/>
               </a:ext>
             </a:extLst>
           </p:cNvPr>
@@ -784,7 +784,7 @@
           <p:cNvPr id="2" name="Title 1">
             <a:extLst>
               <a:ext uri="{FF2B5EF4-FFF2-40B4-BE49-F238E27FC236}">
-                <a16:creationId xmlns:a16="http://schemas.microsoft.com/office/drawing/2014/main" id="{4511BDC2-C0C9-4F8E-A728-8E90B20F526B}"/>
+                <a16:creationId xmlns:a16="http://schemas.microsoft.com/office/drawing/2014/main" xmlns="" id="{4511BDC2-C0C9-4F8E-A728-8E90B20F526B}"/>
               </a:ext>
             </a:extLst>
           </p:cNvPr>
@@ -813,7 +813,7 @@
           <p:cNvPr id="3" name="Content Placeholder 2">
             <a:extLst>
               <a:ext uri="{FF2B5EF4-FFF2-40B4-BE49-F238E27FC236}">
-                <a16:creationId xmlns:a16="http://schemas.microsoft.com/office/drawing/2014/main" id="{DE28E1A5-42D0-47C1-BFBA-044CE4F10F08}"/>
+                <a16:creationId xmlns:a16="http://schemas.microsoft.com/office/drawing/2014/main" xmlns="" id="{DE28E1A5-42D0-47C1-BFBA-044CE4F10F08}"/>
               </a:ext>
             </a:extLst>
           </p:cNvPr>
@@ -871,7 +871,7 @@
           <p:cNvPr id="4" name="Date Placeholder 3">
             <a:extLst>
               <a:ext uri="{FF2B5EF4-FFF2-40B4-BE49-F238E27FC236}">
-                <a16:creationId xmlns:a16="http://schemas.microsoft.com/office/drawing/2014/main" id="{2971053D-B282-4D75-8FE5-C97F082B99B0}"/>
+                <a16:creationId xmlns:a16="http://schemas.microsoft.com/office/drawing/2014/main" xmlns="" id="{2971053D-B282-4D75-8FE5-C97F082B99B0}"/>
               </a:ext>
             </a:extLst>
           </p:cNvPr>
@@ -889,7 +889,7 @@
           <a:p>
             <a:fld id="{76D0F005-21A2-4026-BD52-97C6BDA88D80}" type="datetimeFigureOut">
               <a:rPr lang="en-IN" smtClean="0"/>
-              <a:t>23-03-2022</a:t>
+              <a:t>05-03-2023</a:t>
             </a:fld>
             <a:endParaRPr lang="en-IN"/>
           </a:p>
@@ -900,7 +900,7 @@
           <p:cNvPr id="5" name="Footer Placeholder 4">
             <a:extLst>
               <a:ext uri="{FF2B5EF4-FFF2-40B4-BE49-F238E27FC236}">
-                <a16:creationId xmlns:a16="http://schemas.microsoft.com/office/drawing/2014/main" id="{BB054D28-4EC7-4193-8D3B-039504023B63}"/>
+                <a16:creationId xmlns:a16="http://schemas.microsoft.com/office/drawing/2014/main" xmlns="" id="{BB054D28-4EC7-4193-8D3B-039504023B63}"/>
               </a:ext>
             </a:extLst>
           </p:cNvPr>
@@ -925,7 +925,7 @@
           <p:cNvPr id="6" name="Slide Number Placeholder 5">
             <a:extLst>
               <a:ext uri="{FF2B5EF4-FFF2-40B4-BE49-F238E27FC236}">
-                <a16:creationId xmlns:a16="http://schemas.microsoft.com/office/drawing/2014/main" id="{2885CE25-9C4F-4A1C-8D4B-D72596B02EEF}"/>
+                <a16:creationId xmlns:a16="http://schemas.microsoft.com/office/drawing/2014/main" xmlns="" id="{2885CE25-9C4F-4A1C-8D4B-D72596B02EEF}"/>
               </a:ext>
             </a:extLst>
           </p:cNvPr>
@@ -984,7 +984,7 @@
           <p:cNvPr id="2" name="Title 1">
             <a:extLst>
               <a:ext uri="{FF2B5EF4-FFF2-40B4-BE49-F238E27FC236}">
-                <a16:creationId xmlns:a16="http://schemas.microsoft.com/office/drawing/2014/main" id="{DED1B40B-687A-4C74-A1F7-03E0E57DC2B5}"/>
+                <a16:creationId xmlns:a16="http://schemas.microsoft.com/office/drawing/2014/main" xmlns="" id="{DED1B40B-687A-4C74-A1F7-03E0E57DC2B5}"/>
               </a:ext>
             </a:extLst>
           </p:cNvPr>
@@ -1022,7 +1022,7 @@
           <p:cNvPr id="3" name="Text Placeholder 2">
             <a:extLst>
               <a:ext uri="{FF2B5EF4-FFF2-40B4-BE49-F238E27FC236}">
-                <a16:creationId xmlns:a16="http://schemas.microsoft.com/office/drawing/2014/main" id="{6A97F328-A4D4-433A-9371-FCBC55ADCC3D}"/>
+                <a16:creationId xmlns:a16="http://schemas.microsoft.com/office/drawing/2014/main" xmlns="" id="{6A97F328-A4D4-433A-9371-FCBC55ADCC3D}"/>
               </a:ext>
             </a:extLst>
           </p:cNvPr>
@@ -1147,7 +1147,7 @@
           <p:cNvPr id="4" name="Date Placeholder 3">
             <a:extLst>
               <a:ext uri="{FF2B5EF4-FFF2-40B4-BE49-F238E27FC236}">
-                <a16:creationId xmlns:a16="http://schemas.microsoft.com/office/drawing/2014/main" id="{0E66FDD2-45D6-4BC6-AC2C-3B88EBFE01A5}"/>
+                <a16:creationId xmlns:a16="http://schemas.microsoft.com/office/drawing/2014/main" xmlns="" id="{0E66FDD2-45D6-4BC6-AC2C-3B88EBFE01A5}"/>
               </a:ext>
             </a:extLst>
           </p:cNvPr>
@@ -1165,7 +1165,7 @@
           <a:p>
             <a:fld id="{76D0F005-21A2-4026-BD52-97C6BDA88D80}" type="datetimeFigureOut">
               <a:rPr lang="en-IN" smtClean="0"/>
-              <a:t>23-03-2022</a:t>
+              <a:t>05-03-2023</a:t>
             </a:fld>
             <a:endParaRPr lang="en-IN"/>
           </a:p>
@@ -1176,7 +1176,7 @@
           <p:cNvPr id="5" name="Footer Placeholder 4">
             <a:extLst>
               <a:ext uri="{FF2B5EF4-FFF2-40B4-BE49-F238E27FC236}">
-                <a16:creationId xmlns:a16="http://schemas.microsoft.com/office/drawing/2014/main" id="{4A4D9E3C-E1D5-4054-9E55-94BBD92CE4EA}"/>
+                <a16:creationId xmlns:a16="http://schemas.microsoft.com/office/drawing/2014/main" xmlns="" id="{4A4D9E3C-E1D5-4054-9E55-94BBD92CE4EA}"/>
               </a:ext>
             </a:extLst>
           </p:cNvPr>
@@ -1201,7 +1201,7 @@
           <p:cNvPr id="6" name="Slide Number Placeholder 5">
             <a:extLst>
               <a:ext uri="{FF2B5EF4-FFF2-40B4-BE49-F238E27FC236}">
-                <a16:creationId xmlns:a16="http://schemas.microsoft.com/office/drawing/2014/main" id="{929DCFF7-4E04-46B0-9989-2B4A1E095DFD}"/>
+                <a16:creationId xmlns:a16="http://schemas.microsoft.com/office/drawing/2014/main" xmlns="" id="{929DCFF7-4E04-46B0-9989-2B4A1E095DFD}"/>
               </a:ext>
             </a:extLst>
           </p:cNvPr>
@@ -1260,7 +1260,7 @@
           <p:cNvPr id="2" name="Title 1">
             <a:extLst>
               <a:ext uri="{FF2B5EF4-FFF2-40B4-BE49-F238E27FC236}">
-                <a16:creationId xmlns:a16="http://schemas.microsoft.com/office/drawing/2014/main" id="{15E82671-6FAC-49DC-AC66-21ECB5F31245}"/>
+                <a16:creationId xmlns:a16="http://schemas.microsoft.com/office/drawing/2014/main" xmlns="" id="{15E82671-6FAC-49DC-AC66-21ECB5F31245}"/>
               </a:ext>
             </a:extLst>
           </p:cNvPr>
@@ -1289,7 +1289,7 @@
           <p:cNvPr id="3" name="Content Placeholder 2">
             <a:extLst>
               <a:ext uri="{FF2B5EF4-FFF2-40B4-BE49-F238E27FC236}">
-                <a16:creationId xmlns:a16="http://schemas.microsoft.com/office/drawing/2014/main" id="{100DBA22-BD22-4FB6-8F54-DB7CA62AE61B}"/>
+                <a16:creationId xmlns:a16="http://schemas.microsoft.com/office/drawing/2014/main" xmlns="" id="{100DBA22-BD22-4FB6-8F54-DB7CA62AE61B}"/>
               </a:ext>
             </a:extLst>
           </p:cNvPr>
@@ -1352,7 +1352,7 @@
           <p:cNvPr id="4" name="Content Placeholder 3">
             <a:extLst>
               <a:ext uri="{FF2B5EF4-FFF2-40B4-BE49-F238E27FC236}">
-                <a16:creationId xmlns:a16="http://schemas.microsoft.com/office/drawing/2014/main" id="{C550CA2B-4781-4E76-9948-FB34576755A8}"/>
+                <a16:creationId xmlns:a16="http://schemas.microsoft.com/office/drawing/2014/main" xmlns="" id="{C550CA2B-4781-4E76-9948-FB34576755A8}"/>
               </a:ext>
             </a:extLst>
           </p:cNvPr>
@@ -1415,7 +1415,7 @@
           <p:cNvPr id="5" name="Date Placeholder 4">
             <a:extLst>
               <a:ext uri="{FF2B5EF4-FFF2-40B4-BE49-F238E27FC236}">
-                <a16:creationId xmlns:a16="http://schemas.microsoft.com/office/drawing/2014/main" id="{A86015E3-70A5-4688-893A-086F955103A4}"/>
+                <a16:creationId xmlns:a16="http://schemas.microsoft.com/office/drawing/2014/main" xmlns="" id="{A86015E3-70A5-4688-893A-086F955103A4}"/>
               </a:ext>
             </a:extLst>
           </p:cNvPr>
@@ -1433,7 +1433,7 @@
           <a:p>
             <a:fld id="{76D0F005-21A2-4026-BD52-97C6BDA88D80}" type="datetimeFigureOut">
               <a:rPr lang="en-IN" smtClean="0"/>
-              <a:t>23-03-2022</a:t>
+              <a:t>05-03-2023</a:t>
             </a:fld>
             <a:endParaRPr lang="en-IN"/>
           </a:p>
@@ -1444,7 +1444,7 @@
           <p:cNvPr id="6" name="Footer Placeholder 5">
             <a:extLst>
               <a:ext uri="{FF2B5EF4-FFF2-40B4-BE49-F238E27FC236}">
-                <a16:creationId xmlns:a16="http://schemas.microsoft.com/office/drawing/2014/main" id="{434D569F-9850-4A9F-BF8C-105FCDE8AB52}"/>
+                <a16:creationId xmlns:a16="http://schemas.microsoft.com/office/drawing/2014/main" xmlns="" id="{434D569F-9850-4A9F-BF8C-105FCDE8AB52}"/>
               </a:ext>
             </a:extLst>
           </p:cNvPr>
@@ -1469,7 +1469,7 @@
           <p:cNvPr id="7" name="Slide Number Placeholder 6">
             <a:extLst>
               <a:ext uri="{FF2B5EF4-FFF2-40B4-BE49-F238E27FC236}">
-                <a16:creationId xmlns:a16="http://schemas.microsoft.com/office/drawing/2014/main" id="{1EB932A5-AFB4-4961-9E12-00623EBD3769}"/>
+                <a16:creationId xmlns:a16="http://schemas.microsoft.com/office/drawing/2014/main" xmlns="" id="{1EB932A5-AFB4-4961-9E12-00623EBD3769}"/>
               </a:ext>
             </a:extLst>
           </p:cNvPr>
@@ -1528,7 +1528,7 @@
           <p:cNvPr id="2" name="Title 1">
             <a:extLst>
               <a:ext uri="{FF2B5EF4-FFF2-40B4-BE49-F238E27FC236}">
-                <a16:creationId xmlns:a16="http://schemas.microsoft.com/office/drawing/2014/main" id="{11817CFF-D65B-4DF3-B1FB-60CC3AB0F637}"/>
+                <a16:creationId xmlns:a16="http://schemas.microsoft.com/office/drawing/2014/main" xmlns="" id="{11817CFF-D65B-4DF3-B1FB-60CC3AB0F637}"/>
               </a:ext>
             </a:extLst>
           </p:cNvPr>
@@ -1562,7 +1562,7 @@
           <p:cNvPr id="3" name="Text Placeholder 2">
             <a:extLst>
               <a:ext uri="{FF2B5EF4-FFF2-40B4-BE49-F238E27FC236}">
-                <a16:creationId xmlns:a16="http://schemas.microsoft.com/office/drawing/2014/main" id="{B8ADDE15-64D1-45E2-B02E-B43BDCEA80A0}"/>
+                <a16:creationId xmlns:a16="http://schemas.microsoft.com/office/drawing/2014/main" xmlns="" id="{B8ADDE15-64D1-45E2-B02E-B43BDCEA80A0}"/>
               </a:ext>
             </a:extLst>
           </p:cNvPr>
@@ -1633,7 +1633,7 @@
           <p:cNvPr id="4" name="Content Placeholder 3">
             <a:extLst>
               <a:ext uri="{FF2B5EF4-FFF2-40B4-BE49-F238E27FC236}">
-                <a16:creationId xmlns:a16="http://schemas.microsoft.com/office/drawing/2014/main" id="{56E033A1-1E58-4D6A-970D-0C39BCC6C715}"/>
+                <a16:creationId xmlns:a16="http://schemas.microsoft.com/office/drawing/2014/main" xmlns="" id="{56E033A1-1E58-4D6A-970D-0C39BCC6C715}"/>
               </a:ext>
             </a:extLst>
           </p:cNvPr>
@@ -1696,7 +1696,7 @@
           <p:cNvPr id="5" name="Text Placeholder 4">
             <a:extLst>
               <a:ext uri="{FF2B5EF4-FFF2-40B4-BE49-F238E27FC236}">
-                <a16:creationId xmlns:a16="http://schemas.microsoft.com/office/drawing/2014/main" id="{10EA02DB-A993-44D6-B12B-DD2406519DD7}"/>
+                <a16:creationId xmlns:a16="http://schemas.microsoft.com/office/drawing/2014/main" xmlns="" id="{10EA02DB-A993-44D6-B12B-DD2406519DD7}"/>
               </a:ext>
             </a:extLst>
           </p:cNvPr>
@@ -1767,7 +1767,7 @@
           <p:cNvPr id="6" name="Content Placeholder 5">
             <a:extLst>
               <a:ext uri="{FF2B5EF4-FFF2-40B4-BE49-F238E27FC236}">
-                <a16:creationId xmlns:a16="http://schemas.microsoft.com/office/drawing/2014/main" id="{46C7D72F-4DBE-470B-B7EB-877E0F6452AB}"/>
+                <a16:creationId xmlns:a16="http://schemas.microsoft.com/office/drawing/2014/main" xmlns="" id="{46C7D72F-4DBE-470B-B7EB-877E0F6452AB}"/>
               </a:ext>
             </a:extLst>
           </p:cNvPr>
@@ -1830,7 +1830,7 @@
           <p:cNvPr id="7" name="Date Placeholder 6">
             <a:extLst>
               <a:ext uri="{FF2B5EF4-FFF2-40B4-BE49-F238E27FC236}">
-                <a16:creationId xmlns:a16="http://schemas.microsoft.com/office/drawing/2014/main" id="{8EFCFA35-587F-4408-BF0B-C1C9078D31EB}"/>
+                <a16:creationId xmlns:a16="http://schemas.microsoft.com/office/drawing/2014/main" xmlns="" id="{8EFCFA35-587F-4408-BF0B-C1C9078D31EB}"/>
               </a:ext>
             </a:extLst>
           </p:cNvPr>
@@ -1848,7 +1848,7 @@
           <a:p>
             <a:fld id="{76D0F005-21A2-4026-BD52-97C6BDA88D80}" type="datetimeFigureOut">
               <a:rPr lang="en-IN" smtClean="0"/>
-              <a:t>23-03-2022</a:t>
+              <a:t>05-03-2023</a:t>
             </a:fld>
             <a:endParaRPr lang="en-IN"/>
           </a:p>
@@ -1859,7 +1859,7 @@
           <p:cNvPr id="8" name="Footer Placeholder 7">
             <a:extLst>
               <a:ext uri="{FF2B5EF4-FFF2-40B4-BE49-F238E27FC236}">
-                <a16:creationId xmlns:a16="http://schemas.microsoft.com/office/drawing/2014/main" id="{CD439B00-D1D8-4A57-99E3-35BC0A90DE07}"/>
+                <a16:creationId xmlns:a16="http://schemas.microsoft.com/office/drawing/2014/main" xmlns="" id="{CD439B00-D1D8-4A57-99E3-35BC0A90DE07}"/>
               </a:ext>
             </a:extLst>
           </p:cNvPr>
@@ -1884,7 +1884,7 @@
           <p:cNvPr id="9" name="Slide Number Placeholder 8">
             <a:extLst>
               <a:ext uri="{FF2B5EF4-FFF2-40B4-BE49-F238E27FC236}">
-                <a16:creationId xmlns:a16="http://schemas.microsoft.com/office/drawing/2014/main" id="{5659AF52-2957-4F1D-8E46-8DD4AC634590}"/>
+                <a16:creationId xmlns:a16="http://schemas.microsoft.com/office/drawing/2014/main" xmlns="" id="{5659AF52-2957-4F1D-8E46-8DD4AC634590}"/>
               </a:ext>
             </a:extLst>
           </p:cNvPr>
@@ -1943,7 +1943,7 @@
           <p:cNvPr id="2" name="Title 1">
             <a:extLst>
               <a:ext uri="{FF2B5EF4-FFF2-40B4-BE49-F238E27FC236}">
-                <a16:creationId xmlns:a16="http://schemas.microsoft.com/office/drawing/2014/main" id="{5A6BFB1D-80BD-437D-BCD7-F94D3838A917}"/>
+                <a16:creationId xmlns:a16="http://schemas.microsoft.com/office/drawing/2014/main" xmlns="" id="{5A6BFB1D-80BD-437D-BCD7-F94D3838A917}"/>
               </a:ext>
             </a:extLst>
           </p:cNvPr>
@@ -1972,7 +1972,7 @@
           <p:cNvPr id="3" name="Date Placeholder 2">
             <a:extLst>
               <a:ext uri="{FF2B5EF4-FFF2-40B4-BE49-F238E27FC236}">
-                <a16:creationId xmlns:a16="http://schemas.microsoft.com/office/drawing/2014/main" id="{613455BB-A3DA-4BD2-9E0C-486FCF3D6FFA}"/>
+                <a16:creationId xmlns:a16="http://schemas.microsoft.com/office/drawing/2014/main" xmlns="" id="{613455BB-A3DA-4BD2-9E0C-486FCF3D6FFA}"/>
               </a:ext>
             </a:extLst>
           </p:cNvPr>
@@ -1990,7 +1990,7 @@
           <a:p>
             <a:fld id="{76D0F005-21A2-4026-BD52-97C6BDA88D80}" type="datetimeFigureOut">
               <a:rPr lang="en-IN" smtClean="0"/>
-              <a:t>23-03-2022</a:t>
+              <a:t>05-03-2023</a:t>
             </a:fld>
             <a:endParaRPr lang="en-IN"/>
           </a:p>
@@ -2001,7 +2001,7 @@
           <p:cNvPr id="4" name="Footer Placeholder 3">
             <a:extLst>
               <a:ext uri="{FF2B5EF4-FFF2-40B4-BE49-F238E27FC236}">
-                <a16:creationId xmlns:a16="http://schemas.microsoft.com/office/drawing/2014/main" id="{FFE1F9AE-C240-445F-AB1F-9CA8898853F9}"/>
+                <a16:creationId xmlns:a16="http://schemas.microsoft.com/office/drawing/2014/main" xmlns="" id="{FFE1F9AE-C240-445F-AB1F-9CA8898853F9}"/>
               </a:ext>
             </a:extLst>
           </p:cNvPr>
@@ -2026,7 +2026,7 @@
           <p:cNvPr id="5" name="Slide Number Placeholder 4">
             <a:extLst>
               <a:ext uri="{FF2B5EF4-FFF2-40B4-BE49-F238E27FC236}">
-                <a16:creationId xmlns:a16="http://schemas.microsoft.com/office/drawing/2014/main" id="{7A92AB86-7FDC-4A7C-A4DE-D039D5661B44}"/>
+                <a16:creationId xmlns:a16="http://schemas.microsoft.com/office/drawing/2014/main" xmlns="" id="{7A92AB86-7FDC-4A7C-A4DE-D039D5661B44}"/>
               </a:ext>
             </a:extLst>
           </p:cNvPr>
@@ -2085,7 +2085,7 @@
           <p:cNvPr id="2" name="Date Placeholder 1">
             <a:extLst>
               <a:ext uri="{FF2B5EF4-FFF2-40B4-BE49-F238E27FC236}">
-                <a16:creationId xmlns:a16="http://schemas.microsoft.com/office/drawing/2014/main" id="{BD136444-F046-4B4F-B2D9-47BD531D744E}"/>
+                <a16:creationId xmlns:a16="http://schemas.microsoft.com/office/drawing/2014/main" xmlns="" id="{BD136444-F046-4B4F-B2D9-47BD531D744E}"/>
               </a:ext>
             </a:extLst>
           </p:cNvPr>
@@ -2103,7 +2103,7 @@
           <a:p>
             <a:fld id="{76D0F005-21A2-4026-BD52-97C6BDA88D80}" type="datetimeFigureOut">
               <a:rPr lang="en-IN" smtClean="0"/>
-              <a:t>23-03-2022</a:t>
+              <a:t>05-03-2023</a:t>
             </a:fld>
             <a:endParaRPr lang="en-IN"/>
           </a:p>
@@ -2114,7 +2114,7 @@
           <p:cNvPr id="3" name="Footer Placeholder 2">
             <a:extLst>
               <a:ext uri="{FF2B5EF4-FFF2-40B4-BE49-F238E27FC236}">
-                <a16:creationId xmlns:a16="http://schemas.microsoft.com/office/drawing/2014/main" id="{F43ED745-EFC6-42E1-9B23-B04685AEE39A}"/>
+                <a16:creationId xmlns:a16="http://schemas.microsoft.com/office/drawing/2014/main" xmlns="" id="{F43ED745-EFC6-42E1-9B23-B04685AEE39A}"/>
               </a:ext>
             </a:extLst>
           </p:cNvPr>
@@ -2139,7 +2139,7 @@
           <p:cNvPr id="4" name="Slide Number Placeholder 3">
             <a:extLst>
               <a:ext uri="{FF2B5EF4-FFF2-40B4-BE49-F238E27FC236}">
-                <a16:creationId xmlns:a16="http://schemas.microsoft.com/office/drawing/2014/main" id="{0693F760-032D-42C9-B38A-BEB2F0331E18}"/>
+                <a16:creationId xmlns:a16="http://schemas.microsoft.com/office/drawing/2014/main" xmlns="" id="{0693F760-032D-42C9-B38A-BEB2F0331E18}"/>
               </a:ext>
             </a:extLst>
           </p:cNvPr>
@@ -2198,7 +2198,7 @@
           <p:cNvPr id="2" name="Title 1">
             <a:extLst>
               <a:ext uri="{FF2B5EF4-FFF2-40B4-BE49-F238E27FC236}">
-                <a16:creationId xmlns:a16="http://schemas.microsoft.com/office/drawing/2014/main" id="{ACB9CC60-2B31-441D-AB13-36F0D9571312}"/>
+                <a16:creationId xmlns:a16="http://schemas.microsoft.com/office/drawing/2014/main" xmlns="" id="{ACB9CC60-2B31-441D-AB13-36F0D9571312}"/>
               </a:ext>
             </a:extLst>
           </p:cNvPr>
@@ -2236,7 +2236,7 @@
           <p:cNvPr id="3" name="Content Placeholder 2">
             <a:extLst>
               <a:ext uri="{FF2B5EF4-FFF2-40B4-BE49-F238E27FC236}">
-                <a16:creationId xmlns:a16="http://schemas.microsoft.com/office/drawing/2014/main" id="{101014AC-DB98-4C44-85D1-B2FC1058C9A5}"/>
+                <a16:creationId xmlns:a16="http://schemas.microsoft.com/office/drawing/2014/main" xmlns="" id="{101014AC-DB98-4C44-85D1-B2FC1058C9A5}"/>
               </a:ext>
             </a:extLst>
           </p:cNvPr>
@@ -2327,7 +2327,7 @@
           <p:cNvPr id="4" name="Text Placeholder 3">
             <a:extLst>
               <a:ext uri="{FF2B5EF4-FFF2-40B4-BE49-F238E27FC236}">
-                <a16:creationId xmlns:a16="http://schemas.microsoft.com/office/drawing/2014/main" id="{2E939742-7309-46D3-A225-20B6DF7F46DC}"/>
+                <a16:creationId xmlns:a16="http://schemas.microsoft.com/office/drawing/2014/main" xmlns="" id="{2E939742-7309-46D3-A225-20B6DF7F46DC}"/>
               </a:ext>
             </a:extLst>
           </p:cNvPr>
@@ -2398,7 +2398,7 @@
           <p:cNvPr id="5" name="Date Placeholder 4">
             <a:extLst>
               <a:ext uri="{FF2B5EF4-FFF2-40B4-BE49-F238E27FC236}">
-                <a16:creationId xmlns:a16="http://schemas.microsoft.com/office/drawing/2014/main" id="{8D4D4366-7B9D-45AD-A745-9683AC68AAFE}"/>
+                <a16:creationId xmlns:a16="http://schemas.microsoft.com/office/drawing/2014/main" xmlns="" id="{8D4D4366-7B9D-45AD-A745-9683AC68AAFE}"/>
               </a:ext>
             </a:extLst>
           </p:cNvPr>
@@ -2416,7 +2416,7 @@
           <a:p>
             <a:fld id="{76D0F005-21A2-4026-BD52-97C6BDA88D80}" type="datetimeFigureOut">
               <a:rPr lang="en-IN" smtClean="0"/>
-              <a:t>23-03-2022</a:t>
+              <a:t>05-03-2023</a:t>
             </a:fld>
             <a:endParaRPr lang="en-IN"/>
           </a:p>
@@ -2427,7 +2427,7 @@
           <p:cNvPr id="6" name="Footer Placeholder 5">
             <a:extLst>
               <a:ext uri="{FF2B5EF4-FFF2-40B4-BE49-F238E27FC236}">
-                <a16:creationId xmlns:a16="http://schemas.microsoft.com/office/drawing/2014/main" id="{E74961CC-5166-4B64-AF04-99FB6BBD2716}"/>
+                <a16:creationId xmlns:a16="http://schemas.microsoft.com/office/drawing/2014/main" xmlns="" id="{E74961CC-5166-4B64-AF04-99FB6BBD2716}"/>
               </a:ext>
             </a:extLst>
           </p:cNvPr>
@@ -2452,7 +2452,7 @@
           <p:cNvPr id="7" name="Slide Number Placeholder 6">
             <a:extLst>
               <a:ext uri="{FF2B5EF4-FFF2-40B4-BE49-F238E27FC236}">
-                <a16:creationId xmlns:a16="http://schemas.microsoft.com/office/drawing/2014/main" id="{6538BFEE-5DF7-4B2C-8478-960336F4AA5B}"/>
+                <a16:creationId xmlns:a16="http://schemas.microsoft.com/office/drawing/2014/main" xmlns="" id="{6538BFEE-5DF7-4B2C-8478-960336F4AA5B}"/>
               </a:ext>
             </a:extLst>
           </p:cNvPr>
@@ -2511,7 +2511,7 @@
           <p:cNvPr id="2" name="Title 1">
             <a:extLst>
               <a:ext uri="{FF2B5EF4-FFF2-40B4-BE49-F238E27FC236}">
-                <a16:creationId xmlns:a16="http://schemas.microsoft.com/office/drawing/2014/main" id="{C507AFC0-2A42-49A3-BF03-69008C8876B3}"/>
+                <a16:creationId xmlns:a16="http://schemas.microsoft.com/office/drawing/2014/main" xmlns="" id="{C507AFC0-2A42-49A3-BF03-69008C8876B3}"/>
               </a:ext>
             </a:extLst>
           </p:cNvPr>
@@ -2549,7 +2549,7 @@
           <p:cNvPr id="3" name="Picture Placeholder 2">
             <a:extLst>
               <a:ext uri="{FF2B5EF4-FFF2-40B4-BE49-F238E27FC236}">
-                <a16:creationId xmlns:a16="http://schemas.microsoft.com/office/drawing/2014/main" id="{D87C4BC3-0756-4058-9FE1-F2200A5D803C}"/>
+                <a16:creationId xmlns:a16="http://schemas.microsoft.com/office/drawing/2014/main" xmlns="" id="{D87C4BC3-0756-4058-9FE1-F2200A5D803C}"/>
               </a:ext>
             </a:extLst>
           </p:cNvPr>
@@ -2616,7 +2616,7 @@
           <p:cNvPr id="4" name="Text Placeholder 3">
             <a:extLst>
               <a:ext uri="{FF2B5EF4-FFF2-40B4-BE49-F238E27FC236}">
-                <a16:creationId xmlns:a16="http://schemas.microsoft.com/office/drawing/2014/main" id="{5DC9EB40-5737-4650-B448-0C7DEBD1B048}"/>
+                <a16:creationId xmlns:a16="http://schemas.microsoft.com/office/drawing/2014/main" xmlns="" id="{5DC9EB40-5737-4650-B448-0C7DEBD1B048}"/>
               </a:ext>
             </a:extLst>
           </p:cNvPr>
@@ -2687,7 +2687,7 @@
           <p:cNvPr id="5" name="Date Placeholder 4">
             <a:extLst>
               <a:ext uri="{FF2B5EF4-FFF2-40B4-BE49-F238E27FC236}">
-                <a16:creationId xmlns:a16="http://schemas.microsoft.com/office/drawing/2014/main" id="{67015D9F-03DC-4072-8117-A18B3041CB2F}"/>
+                <a16:creationId xmlns:a16="http://schemas.microsoft.com/office/drawing/2014/main" xmlns="" id="{67015D9F-03DC-4072-8117-A18B3041CB2F}"/>
               </a:ext>
             </a:extLst>
           </p:cNvPr>
@@ -2705,7 +2705,7 @@
           <a:p>
             <a:fld id="{76D0F005-21A2-4026-BD52-97C6BDA88D80}" type="datetimeFigureOut">
               <a:rPr lang="en-IN" smtClean="0"/>
-              <a:t>23-03-2022</a:t>
+              <a:t>05-03-2023</a:t>
             </a:fld>
             <a:endParaRPr lang="en-IN"/>
           </a:p>
@@ -2716,7 +2716,7 @@
           <p:cNvPr id="6" name="Footer Placeholder 5">
             <a:extLst>
               <a:ext uri="{FF2B5EF4-FFF2-40B4-BE49-F238E27FC236}">
-                <a16:creationId xmlns:a16="http://schemas.microsoft.com/office/drawing/2014/main" id="{64B872C7-2D21-4A1D-AFE2-8DBF775A213E}"/>
+                <a16:creationId xmlns:a16="http://schemas.microsoft.com/office/drawing/2014/main" xmlns="" id="{64B872C7-2D21-4A1D-AFE2-8DBF775A213E}"/>
               </a:ext>
             </a:extLst>
           </p:cNvPr>
@@ -2741,7 +2741,7 @@
           <p:cNvPr id="7" name="Slide Number Placeholder 6">
             <a:extLst>
               <a:ext uri="{FF2B5EF4-FFF2-40B4-BE49-F238E27FC236}">
-                <a16:creationId xmlns:a16="http://schemas.microsoft.com/office/drawing/2014/main" id="{963F31EF-F41F-4014-AF56-E5BFD86459EC}"/>
+                <a16:creationId xmlns:a16="http://schemas.microsoft.com/office/drawing/2014/main" xmlns="" id="{963F31EF-F41F-4014-AF56-E5BFD86459EC}"/>
               </a:ext>
             </a:extLst>
           </p:cNvPr>
@@ -2805,7 +2805,7 @@
           <p:cNvPr id="2" name="Title Placeholder 1">
             <a:extLst>
               <a:ext uri="{FF2B5EF4-FFF2-40B4-BE49-F238E27FC236}">
-                <a16:creationId xmlns:a16="http://schemas.microsoft.com/office/drawing/2014/main" id="{79F39A7F-C86F-4092-A71A-F0F1F4D52F00}"/>
+                <a16:creationId xmlns:a16="http://schemas.microsoft.com/office/drawing/2014/main" xmlns="" id="{79F39A7F-C86F-4092-A71A-F0F1F4D52F00}"/>
               </a:ext>
             </a:extLst>
           </p:cNvPr>
@@ -2844,7 +2844,7 @@
           <p:cNvPr id="3" name="Text Placeholder 2">
             <a:extLst>
               <a:ext uri="{FF2B5EF4-FFF2-40B4-BE49-F238E27FC236}">
-                <a16:creationId xmlns:a16="http://schemas.microsoft.com/office/drawing/2014/main" id="{2A0E7B9A-C84B-4E0C-BBC7-BF59365048BE}"/>
+                <a16:creationId xmlns:a16="http://schemas.microsoft.com/office/drawing/2014/main" xmlns="" id="{2A0E7B9A-C84B-4E0C-BBC7-BF59365048BE}"/>
               </a:ext>
             </a:extLst>
           </p:cNvPr>
@@ -2912,7 +2912,7 @@
           <p:cNvPr id="4" name="Date Placeholder 3">
             <a:extLst>
               <a:ext uri="{FF2B5EF4-FFF2-40B4-BE49-F238E27FC236}">
-                <a16:creationId xmlns:a16="http://schemas.microsoft.com/office/drawing/2014/main" id="{EBAF35CB-3A6C-4C72-8A65-8CD8F1CDEE11}"/>
+                <a16:creationId xmlns:a16="http://schemas.microsoft.com/office/drawing/2014/main" xmlns="" id="{EBAF35CB-3A6C-4C72-8A65-8CD8F1CDEE11}"/>
               </a:ext>
             </a:extLst>
           </p:cNvPr>
@@ -2948,7 +2948,7 @@
           <a:p>
             <a:fld id="{76D0F005-21A2-4026-BD52-97C6BDA88D80}" type="datetimeFigureOut">
               <a:rPr lang="en-IN" smtClean="0"/>
-              <a:t>23-03-2022</a:t>
+              <a:t>05-03-2023</a:t>
             </a:fld>
             <a:endParaRPr lang="en-IN"/>
           </a:p>
@@ -2959,7 +2959,7 @@
           <p:cNvPr id="5" name="Footer Placeholder 4">
             <a:extLst>
               <a:ext uri="{FF2B5EF4-FFF2-40B4-BE49-F238E27FC236}">
-                <a16:creationId xmlns:a16="http://schemas.microsoft.com/office/drawing/2014/main" id="{D456697D-F09D-4E3E-8412-6082643E7BAD}"/>
+                <a16:creationId xmlns:a16="http://schemas.microsoft.com/office/drawing/2014/main" xmlns="" id="{D456697D-F09D-4E3E-8412-6082643E7BAD}"/>
               </a:ext>
             </a:extLst>
           </p:cNvPr>
@@ -3002,7 +3002,7 @@
           <p:cNvPr id="6" name="Slide Number Placeholder 5">
             <a:extLst>
               <a:ext uri="{FF2B5EF4-FFF2-40B4-BE49-F238E27FC236}">
-                <a16:creationId xmlns:a16="http://schemas.microsoft.com/office/drawing/2014/main" id="{B0566C0B-DF73-4938-B2B1-49188EC4B485}"/>
+                <a16:creationId xmlns:a16="http://schemas.microsoft.com/office/drawing/2014/main" xmlns="" id="{B0566C0B-DF73-4938-B2B1-49188EC4B485}"/>
               </a:ext>
             </a:extLst>
           </p:cNvPr>
@@ -3370,7 +3370,7 @@
           <p:cNvPr id="2" name="Title 1">
             <a:extLst>
               <a:ext uri="{FF2B5EF4-FFF2-40B4-BE49-F238E27FC236}">
-                <a16:creationId xmlns:a16="http://schemas.microsoft.com/office/drawing/2014/main" id="{EF455644-0919-4FC5-8600-E726DAB6F9EB}"/>
+                <a16:creationId xmlns:a16="http://schemas.microsoft.com/office/drawing/2014/main" xmlns="" id="{EF455644-0919-4FC5-8600-E726DAB6F9EB}"/>
               </a:ext>
             </a:extLst>
           </p:cNvPr>
@@ -3452,13 +3452,7 @@
       </p:sp>
       <p:sp>
         <p:nvSpPr>
-          <p:cNvPr id="3" name="Subtitle 2">
-            <a:extLst>
-              <a:ext uri="{FF2B5EF4-FFF2-40B4-BE49-F238E27FC236}">
-                <a16:creationId xmlns:a16="http://schemas.microsoft.com/office/drawing/2014/main" id="{E7F349CC-334B-4062-BF1E-D02B8EC5E160}"/>
-              </a:ext>
-            </a:extLst>
-          </p:cNvPr>
+          <p:cNvPr id="4" name="Subtitle 3"/>
           <p:cNvSpPr>
             <a:spLocks noGrp="1"/>
           </p:cNvSpPr>
@@ -3466,97 +3460,12 @@
             <p:ph type="subTitle" idx="1"/>
           </p:nvPr>
         </p:nvSpPr>
-        <p:spPr>
-          <a:xfrm>
-            <a:off x="1180729" y="4708652"/>
-            <a:ext cx="10875147" cy="2053970"/>
-          </a:xfrm>
-        </p:spPr>
-        <p:txBody>
-          <a:bodyPr>
-            <a:normAutofit fontScale="25000" lnSpcReduction="20000"/>
-          </a:bodyPr>
-          <a:lstStyle/>
-          <a:p>
-            <a:pPr algn="l"/>
-            <a:r>
-              <a:rPr lang="en-IN" sz="6400" dirty="0">
-                <a:latin typeface="Times New Roman" panose="02020603050405020304" pitchFamily="18" charset="0"/>
-                <a:cs typeface="Times New Roman" panose="02020603050405020304" pitchFamily="18" charset="0"/>
-              </a:rPr>
-              <a:t>Submitted to:                                                                                                                                                              Submitted by:</a:t>
-            </a:r>
-          </a:p>
-          <a:p>
-            <a:pPr algn="l"/>
-            <a:r>
-              <a:rPr lang="en-IN" sz="6400" dirty="0">
-                <a:latin typeface="Times New Roman" panose="02020603050405020304" pitchFamily="18" charset="0"/>
-                <a:cs typeface="Times New Roman" panose="02020603050405020304" pitchFamily="18" charset="0"/>
-              </a:rPr>
-              <a:t>Mr. Suryanarayana </a:t>
-            </a:r>
-            <a:r>
-              <a:rPr lang="en-IN" sz="6400" i="1" dirty="0">
-                <a:latin typeface="Times New Roman" panose="02020603050405020304" pitchFamily="18" charset="0"/>
-                <a:cs typeface="Times New Roman" panose="02020603050405020304" pitchFamily="18" charset="0"/>
-              </a:rPr>
-              <a:t>Suttapalli                                                                                                                                    Vishakha Bansal</a:t>
-            </a:r>
-          </a:p>
-          <a:p>
-            <a:pPr algn="l"/>
-            <a:r>
-              <a:rPr lang="en-IN" sz="6400" i="1" dirty="0">
-                <a:latin typeface="Times New Roman" panose="02020603050405020304" pitchFamily="18" charset="0"/>
-                <a:cs typeface="Times New Roman" panose="02020603050405020304" pitchFamily="18" charset="0"/>
-              </a:rPr>
-              <a:t> Project Guide                                                                                                                                                            Niketa Solanki</a:t>
-            </a:r>
-          </a:p>
-          <a:p>
-            <a:pPr algn="l"/>
-            <a:r>
-              <a:rPr lang="en-IN" sz="6400" i="1" dirty="0">
-                <a:latin typeface="Times New Roman" panose="02020603050405020304" pitchFamily="18" charset="0"/>
-                <a:cs typeface="Times New Roman" panose="02020603050405020304" pitchFamily="18" charset="0"/>
-              </a:rPr>
-              <a:t>                                                                                                                                                                                   Mythili Nallavelli</a:t>
-            </a:r>
-          </a:p>
-          <a:p>
-            <a:pPr algn="l"/>
-            <a:r>
-              <a:rPr lang="en-IN" sz="6400" i="1" dirty="0">
-                <a:latin typeface="Times New Roman" panose="02020603050405020304" pitchFamily="18" charset="0"/>
-                <a:cs typeface="Times New Roman" panose="02020603050405020304" pitchFamily="18" charset="0"/>
-              </a:rPr>
-              <a:t>                                                                                                                                                                                   Maseera Firdouse </a:t>
-            </a:r>
-          </a:p>
-          <a:p>
-            <a:pPr algn="l"/>
-            <a:r>
-              <a:rPr lang="en-IN" sz="5600" i="1" dirty="0">
-                <a:latin typeface="Times New Roman" panose="02020603050405020304" pitchFamily="18" charset="0"/>
-                <a:cs typeface="Times New Roman" panose="02020603050405020304" pitchFamily="18" charset="0"/>
-              </a:rPr>
-              <a:t>                                                                                         </a:t>
-            </a:r>
-          </a:p>
-          <a:p>
-            <a:pPr algn="r"/>
-            <a:endParaRPr lang="en-IN" sz="8000" dirty="0">
-              <a:latin typeface="Times New Roman" panose="02020603050405020304" pitchFamily="18" charset="0"/>
-              <a:cs typeface="Times New Roman" panose="02020603050405020304" pitchFamily="18" charset="0"/>
-            </a:endParaRPr>
-          </a:p>
-          <a:p>
-            <a:pPr algn="r"/>
-            <a:endParaRPr lang="en-IN" sz="8000" dirty="0"/>
-          </a:p>
-          <a:p>
-            <a:endParaRPr lang="en-IN" dirty="0"/>
+        <p:spPr/>
+        <p:txBody>
+          <a:bodyPr/>
+          <a:lstStyle/>
+          <a:p>
+            <a:endParaRPr lang="en-US"/>
           </a:p>
         </p:txBody>
       </p:sp>
@@ -3595,7 +3504,7 @@
           <p:cNvPr id="5" name="TextBox 4">
             <a:extLst>
               <a:ext uri="{FF2B5EF4-FFF2-40B4-BE49-F238E27FC236}">
-                <a16:creationId xmlns:a16="http://schemas.microsoft.com/office/drawing/2014/main" id="{D41C05A7-FB6B-4695-BBE7-4548C74D446C}"/>
+                <a16:creationId xmlns:a16="http://schemas.microsoft.com/office/drawing/2014/main" xmlns="" id="{D41C05A7-FB6B-4695-BBE7-4548C74D446C}"/>
               </a:ext>
             </a:extLst>
           </p:cNvPr>
@@ -3704,7 +3613,7 @@
           <p:cNvPr id="2" name="Title 1">
             <a:extLst>
               <a:ext uri="{FF2B5EF4-FFF2-40B4-BE49-F238E27FC236}">
-                <a16:creationId xmlns:a16="http://schemas.microsoft.com/office/drawing/2014/main" id="{26BE3C4F-0EB9-4213-95AE-AB450368EED5}"/>
+                <a16:creationId xmlns:a16="http://schemas.microsoft.com/office/drawing/2014/main" xmlns="" id="{26BE3C4F-0EB9-4213-95AE-AB450368EED5}"/>
               </a:ext>
             </a:extLst>
           </p:cNvPr>
@@ -3734,7 +3643,7 @@
           <p:cNvPr id="3" name="Content Placeholder 2">
             <a:extLst>
               <a:ext uri="{FF2B5EF4-FFF2-40B4-BE49-F238E27FC236}">
-                <a16:creationId xmlns:a16="http://schemas.microsoft.com/office/drawing/2014/main" id="{48B6E9AC-5A7F-4BB8-B7A4-E2D572B028B8}"/>
+                <a16:creationId xmlns:a16="http://schemas.microsoft.com/office/drawing/2014/main" xmlns="" id="{48B6E9AC-5A7F-4BB8-B7A4-E2D572B028B8}"/>
               </a:ext>
             </a:extLst>
           </p:cNvPr>
@@ -3886,7 +3795,7 @@
           <p:cNvPr id="4" name="TextBox 3">
             <a:extLst>
               <a:ext uri="{FF2B5EF4-FFF2-40B4-BE49-F238E27FC236}">
-                <a16:creationId xmlns:a16="http://schemas.microsoft.com/office/drawing/2014/main" id="{25975654-7DDB-4C75-940C-5F20454E40C4}"/>
+                <a16:creationId xmlns:a16="http://schemas.microsoft.com/office/drawing/2014/main" xmlns="" id="{25975654-7DDB-4C75-940C-5F20454E40C4}"/>
               </a:ext>
             </a:extLst>
           </p:cNvPr>
@@ -3951,7 +3860,7 @@
           <p:cNvPr id="2" name="Title 1">
             <a:extLst>
               <a:ext uri="{FF2B5EF4-FFF2-40B4-BE49-F238E27FC236}">
-                <a16:creationId xmlns:a16="http://schemas.microsoft.com/office/drawing/2014/main" id="{7C7E994B-A9D2-49F2-AD5F-1EB7C43D319B}"/>
+                <a16:creationId xmlns:a16="http://schemas.microsoft.com/office/drawing/2014/main" xmlns="" id="{7C7E994B-A9D2-49F2-AD5F-1EB7C43D319B}"/>
               </a:ext>
             </a:extLst>
           </p:cNvPr>
@@ -3986,7 +3895,7 @@
           <p:cNvPr id="3" name="Content Placeholder 2">
             <a:extLst>
               <a:ext uri="{FF2B5EF4-FFF2-40B4-BE49-F238E27FC236}">
-                <a16:creationId xmlns:a16="http://schemas.microsoft.com/office/drawing/2014/main" id="{CD8B3DCC-7A4F-4AB4-91CA-8C99F7B4151A}"/>
+                <a16:creationId xmlns:a16="http://schemas.microsoft.com/office/drawing/2014/main" xmlns="" id="{CD8B3DCC-7A4F-4AB4-91CA-8C99F7B4151A}"/>
               </a:ext>
             </a:extLst>
           </p:cNvPr>
@@ -4139,7 +4048,7 @@
           <p:cNvPr id="4" name="TextBox 3">
             <a:extLst>
               <a:ext uri="{FF2B5EF4-FFF2-40B4-BE49-F238E27FC236}">
-                <a16:creationId xmlns:a16="http://schemas.microsoft.com/office/drawing/2014/main" id="{93A1A753-8985-4411-B203-4A9E6C1C9EF8}"/>
+                <a16:creationId xmlns:a16="http://schemas.microsoft.com/office/drawing/2014/main" xmlns="" id="{93A1A753-8985-4411-B203-4A9E6C1C9EF8}"/>
               </a:ext>
             </a:extLst>
           </p:cNvPr>
@@ -4204,7 +4113,7 @@
           <p:cNvPr id="3" name="TextBox 2">
             <a:extLst>
               <a:ext uri="{FF2B5EF4-FFF2-40B4-BE49-F238E27FC236}">
-                <a16:creationId xmlns:a16="http://schemas.microsoft.com/office/drawing/2014/main" id="{8AFE0085-3495-47F9-87A8-BC6504FFA1CA}"/>
+                <a16:creationId xmlns:a16="http://schemas.microsoft.com/office/drawing/2014/main" xmlns="" id="{8AFE0085-3495-47F9-87A8-BC6504FFA1CA}"/>
               </a:ext>
             </a:extLst>
           </p:cNvPr>
@@ -4275,7 +4184,7 @@
           <p:cNvPr id="4" name="TextBox 3">
             <a:extLst>
               <a:ext uri="{FF2B5EF4-FFF2-40B4-BE49-F238E27FC236}">
-                <a16:creationId xmlns:a16="http://schemas.microsoft.com/office/drawing/2014/main" id="{59C65581-1846-46FA-AEE5-980C60E4FF3F}"/>
+                <a16:creationId xmlns:a16="http://schemas.microsoft.com/office/drawing/2014/main" xmlns="" id="{59C65581-1846-46FA-AEE5-980C60E4FF3F}"/>
               </a:ext>
             </a:extLst>
           </p:cNvPr>
@@ -4340,7 +4249,7 @@
           <p:cNvPr id="2" name="Title 1">
             <a:extLst>
               <a:ext uri="{FF2B5EF4-FFF2-40B4-BE49-F238E27FC236}">
-                <a16:creationId xmlns:a16="http://schemas.microsoft.com/office/drawing/2014/main" id="{B57A3598-DF0C-45F9-97D2-C8A441BC6867}"/>
+                <a16:creationId xmlns:a16="http://schemas.microsoft.com/office/drawing/2014/main" xmlns="" id="{B57A3598-DF0C-45F9-97D2-C8A441BC6867}"/>
               </a:ext>
             </a:extLst>
           </p:cNvPr>
@@ -4374,6 +4283,12 @@
                 <a:latin typeface="Times-Roman"/>
               </a:rPr>
             </a:br>
+            <a:r>
+              <a:rPr lang="en-US" sz="2200" b="0" i="0" u="none" strike="noStrike" baseline="0" dirty="0">
+                <a:latin typeface="Times-Roman"/>
+              </a:rPr>
+              <a:t/>
+            </a:r>
             <a:br>
               <a:rPr lang="en-US" sz="2200" b="0" i="0" u="none" strike="noStrike" baseline="0" dirty="0">
                 <a:latin typeface="Times-Roman"/>
@@ -4401,11 +4316,23 @@
                 <a:latin typeface="Times-Roman"/>
               </a:rPr>
             </a:br>
+            <a:r>
+              <a:rPr lang="en-US" sz="2200" b="0" i="0" u="none" strike="noStrike" baseline="0" dirty="0">
+                <a:latin typeface="Times-Roman"/>
+              </a:rPr>
+              <a:t/>
+            </a:r>
             <a:br>
               <a:rPr lang="en-US" sz="2200" b="0" i="0" u="none" strike="noStrike" baseline="0" dirty="0">
                 <a:latin typeface="Times-Roman"/>
               </a:rPr>
             </a:br>
+            <a:r>
+              <a:rPr lang="en-US" sz="2200" b="0" i="0" u="none" strike="noStrike" baseline="0" dirty="0">
+                <a:latin typeface="Times-Roman"/>
+              </a:rPr>
+              <a:t/>
+            </a:r>
             <a:br>
               <a:rPr lang="en-US" sz="2200" b="0" i="0" u="none" strike="noStrike" baseline="0" dirty="0">
                 <a:latin typeface="Times-Roman"/>
@@ -4575,16 +4502,34 @@
               </a:rPr>
               <a:t>STS is built as an addition on top of the latest Eclipse releases.</a:t>
             </a:r>
+            <a:r>
+              <a:rPr lang="en-IN" sz="2000" b="1" i="0" u="none" strike="noStrike" baseline="0" dirty="0">
+                <a:latin typeface="Times-Bold"/>
+              </a:rPr>
+              <a:t/>
+            </a:r>
             <a:br>
               <a:rPr lang="en-IN" sz="2000" b="1" i="0" u="none" strike="noStrike" baseline="0" dirty="0">
                 <a:latin typeface="Times-Bold"/>
               </a:rPr>
             </a:br>
+            <a:r>
+              <a:rPr lang="en-IN" sz="2000" b="1" i="0" u="none" strike="noStrike" baseline="0" dirty="0">
+                <a:latin typeface="Times-Bold"/>
+              </a:rPr>
+              <a:t/>
+            </a:r>
             <a:br>
               <a:rPr lang="en-IN" sz="2000" b="1" i="0" u="none" strike="noStrike" baseline="0" dirty="0">
                 <a:latin typeface="Times-Bold"/>
               </a:rPr>
             </a:br>
+            <a:r>
+              <a:rPr lang="en-IN" sz="2200" b="1" i="0" u="none" strike="noStrike" baseline="0" dirty="0">
+                <a:latin typeface="Times-Bold"/>
+              </a:rPr>
+              <a:t/>
+            </a:r>
             <a:br>
               <a:rPr lang="en-IN" sz="2200" b="1" i="0" u="none" strike="noStrike" baseline="0" dirty="0">
                 <a:latin typeface="Times-Bold"/>
@@ -4596,27 +4541,57 @@
               </a:rPr>
               <a:t>2.3 HARDWARE REQUIREMENTS</a:t>
             </a:r>
+            <a:r>
+              <a:rPr lang="en-IN" sz="2200" b="1" i="0" u="none" strike="noStrike" baseline="0" dirty="0">
+                <a:latin typeface="Times-Bold"/>
+              </a:rPr>
+              <a:t/>
+            </a:r>
             <a:br>
               <a:rPr lang="en-IN" sz="2200" b="1" i="0" u="none" strike="noStrike" baseline="0" dirty="0">
                 <a:latin typeface="Times-Bold"/>
               </a:rPr>
             </a:br>
+            <a:r>
+              <a:rPr lang="en-IN" sz="2200" b="1" i="0" u="none" strike="noStrike" baseline="0" dirty="0">
+                <a:latin typeface="Times-Bold"/>
+              </a:rPr>
+              <a:t/>
+            </a:r>
             <a:br>
               <a:rPr lang="en-IN" sz="2200" b="1" i="0" u="none" strike="noStrike" baseline="0" dirty="0">
                 <a:latin typeface="Times-Bold"/>
               </a:rPr>
             </a:br>
+            <a:r>
+              <a:rPr lang="en-IN" sz="2200" b="1" i="0" u="none" strike="noStrike" baseline="0" dirty="0">
+                <a:latin typeface="Times-Bold"/>
+              </a:rPr>
+              <a:t/>
+            </a:r>
             <a:br>
               <a:rPr lang="en-IN" sz="2200" b="1" i="0" u="none" strike="noStrike" baseline="0" dirty="0">
                 <a:latin typeface="Times-Bold"/>
               </a:rPr>
             </a:br>
+            <a:r>
+              <a:rPr lang="en-IN" sz="3100" dirty="0"/>
+              <a:t/>
+            </a:r>
             <a:br>
               <a:rPr lang="en-IN" sz="3100" dirty="0"/>
             </a:br>
+            <a:r>
+              <a:rPr lang="en-IN" sz="3100" dirty="0"/>
+              <a:t/>
+            </a:r>
             <a:br>
               <a:rPr lang="en-IN" sz="3100" dirty="0"/>
             </a:br>
+            <a:r>
+              <a:rPr lang="en-IN" dirty="0"/>
+              <a:t/>
+            </a:r>
             <a:br>
               <a:rPr lang="en-IN" dirty="0"/>
             </a:br>
@@ -4636,7 +4611,7 @@
           <p:cNvPr id="3" name="Content Placeholder 2">
             <a:extLst>
               <a:ext uri="{FF2B5EF4-FFF2-40B4-BE49-F238E27FC236}">
-                <a16:creationId xmlns:a16="http://schemas.microsoft.com/office/drawing/2014/main" id="{7C2216CD-B366-4960-9217-B282E829EB91}"/>
+                <a16:creationId xmlns:a16="http://schemas.microsoft.com/office/drawing/2014/main" xmlns="" id="{7C2216CD-B366-4960-9217-B282E829EB91}"/>
               </a:ext>
             </a:extLst>
           </p:cNvPr>
@@ -4655,7 +4630,7 @@
         </p:spPr>
         <p:txBody>
           <a:bodyPr>
-            <a:normAutofit fontScale="92500" lnSpcReduction="10000"/>
+            <a:normAutofit fontScale="92500" lnSpcReduction="20000"/>
           </a:bodyPr>
           <a:lstStyle/>
           <a:p>
@@ -4735,7 +4710,7 @@
           <p:cNvPr id="4" name="TextBox 3">
             <a:extLst>
               <a:ext uri="{FF2B5EF4-FFF2-40B4-BE49-F238E27FC236}">
-                <a16:creationId xmlns:a16="http://schemas.microsoft.com/office/drawing/2014/main" id="{CECC6932-94EA-49F6-A815-9DB0A7D71F9B}"/>
+                <a16:creationId xmlns:a16="http://schemas.microsoft.com/office/drawing/2014/main" xmlns="" id="{CECC6932-94EA-49F6-A815-9DB0A7D71F9B}"/>
               </a:ext>
             </a:extLst>
           </p:cNvPr>
@@ -4800,7 +4775,7 @@
           <p:cNvPr id="2" name="Title 1">
             <a:extLst>
               <a:ext uri="{FF2B5EF4-FFF2-40B4-BE49-F238E27FC236}">
-                <a16:creationId xmlns:a16="http://schemas.microsoft.com/office/drawing/2014/main" id="{257FE8D8-898B-46DF-B4C1-1519BF55EE90}"/>
+                <a16:creationId xmlns:a16="http://schemas.microsoft.com/office/drawing/2014/main" xmlns="" id="{257FE8D8-898B-46DF-B4C1-1519BF55EE90}"/>
               </a:ext>
             </a:extLst>
           </p:cNvPr>
@@ -4839,7 +4814,7 @@
           <p:cNvPr id="3" name="Content Placeholder 2">
             <a:extLst>
               <a:ext uri="{FF2B5EF4-FFF2-40B4-BE49-F238E27FC236}">
-                <a16:creationId xmlns:a16="http://schemas.microsoft.com/office/drawing/2014/main" id="{4C285C4E-E4B7-44E5-82AC-F2F0BB11ECC5}"/>
+                <a16:creationId xmlns:a16="http://schemas.microsoft.com/office/drawing/2014/main" xmlns="" id="{4C285C4E-E4B7-44E5-82AC-F2F0BB11ECC5}"/>
               </a:ext>
             </a:extLst>
           </p:cNvPr>
@@ -4958,7 +4933,7 @@
           <p:cNvPr id="4" name="Rectangle: Rounded Corners 3">
             <a:extLst>
               <a:ext uri="{FF2B5EF4-FFF2-40B4-BE49-F238E27FC236}">
-                <a16:creationId xmlns:a16="http://schemas.microsoft.com/office/drawing/2014/main" id="{ADB87257-B08B-4B51-AB5D-AEBF6B4B733D}"/>
+                <a16:creationId xmlns:a16="http://schemas.microsoft.com/office/drawing/2014/main" xmlns="" id="{ADB87257-B08B-4B51-AB5D-AEBF6B4B733D}"/>
               </a:ext>
             </a:extLst>
           </p:cNvPr>
@@ -5012,7 +4987,7 @@
           <p:cNvPr id="27" name="Straight Connector 26">
             <a:extLst>
               <a:ext uri="{FF2B5EF4-FFF2-40B4-BE49-F238E27FC236}">
-                <a16:creationId xmlns:a16="http://schemas.microsoft.com/office/drawing/2014/main" id="{E5D5FFC5-25F5-46B5-85A1-E928CD6A4768}"/>
+                <a16:creationId xmlns:a16="http://schemas.microsoft.com/office/drawing/2014/main" xmlns="" id="{E5D5FFC5-25F5-46B5-85A1-E928CD6A4768}"/>
               </a:ext>
             </a:extLst>
           </p:cNvPr>
@@ -5051,7 +5026,7 @@
           <p:cNvPr id="29" name="Straight Connector 28">
             <a:extLst>
               <a:ext uri="{FF2B5EF4-FFF2-40B4-BE49-F238E27FC236}">
-                <a16:creationId xmlns:a16="http://schemas.microsoft.com/office/drawing/2014/main" id="{1F73FD5C-7C93-4BFE-A41B-EF5F3B81EFEE}"/>
+                <a16:creationId xmlns:a16="http://schemas.microsoft.com/office/drawing/2014/main" xmlns="" id="{1F73FD5C-7C93-4BFE-A41B-EF5F3B81EFEE}"/>
               </a:ext>
             </a:extLst>
           </p:cNvPr>
@@ -5089,7 +5064,7 @@
           <p:cNvPr id="31" name="Straight Arrow Connector 30">
             <a:extLst>
               <a:ext uri="{FF2B5EF4-FFF2-40B4-BE49-F238E27FC236}">
-                <a16:creationId xmlns:a16="http://schemas.microsoft.com/office/drawing/2014/main" id="{21CA7488-2AD0-498F-8E90-AF4CD0C87282}"/>
+                <a16:creationId xmlns:a16="http://schemas.microsoft.com/office/drawing/2014/main" xmlns="" id="{21CA7488-2AD0-498F-8E90-AF4CD0C87282}"/>
               </a:ext>
             </a:extLst>
           </p:cNvPr>
@@ -5128,7 +5103,7 @@
           <p:cNvPr id="35" name="Straight Arrow Connector 34">
             <a:extLst>
               <a:ext uri="{FF2B5EF4-FFF2-40B4-BE49-F238E27FC236}">
-                <a16:creationId xmlns:a16="http://schemas.microsoft.com/office/drawing/2014/main" id="{DFD11FB1-FF1F-4E52-8EE0-B930CDFAE51D}"/>
+                <a16:creationId xmlns:a16="http://schemas.microsoft.com/office/drawing/2014/main" xmlns="" id="{DFD11FB1-FF1F-4E52-8EE0-B930CDFAE51D}"/>
               </a:ext>
             </a:extLst>
           </p:cNvPr>
@@ -5167,7 +5142,7 @@
           <p:cNvPr id="36" name="Rectangle 35">
             <a:extLst>
               <a:ext uri="{FF2B5EF4-FFF2-40B4-BE49-F238E27FC236}">
-                <a16:creationId xmlns:a16="http://schemas.microsoft.com/office/drawing/2014/main" id="{20671A23-002B-4B2E-BB16-8FBD22E6A170}"/>
+                <a16:creationId xmlns:a16="http://schemas.microsoft.com/office/drawing/2014/main" xmlns="" id="{20671A23-002B-4B2E-BB16-8FBD22E6A170}"/>
               </a:ext>
             </a:extLst>
           </p:cNvPr>
@@ -5216,7 +5191,7 @@
           <p:cNvPr id="37" name="Rectangle 36">
             <a:extLst>
               <a:ext uri="{FF2B5EF4-FFF2-40B4-BE49-F238E27FC236}">
-                <a16:creationId xmlns:a16="http://schemas.microsoft.com/office/drawing/2014/main" id="{B48475E0-39BD-4916-9CB3-8D59E2966A1D}"/>
+                <a16:creationId xmlns:a16="http://schemas.microsoft.com/office/drawing/2014/main" xmlns="" id="{B48475E0-39BD-4916-9CB3-8D59E2966A1D}"/>
               </a:ext>
             </a:extLst>
           </p:cNvPr>
@@ -5265,7 +5240,7 @@
           <p:cNvPr id="39" name="Rectangle 38">
             <a:extLst>
               <a:ext uri="{FF2B5EF4-FFF2-40B4-BE49-F238E27FC236}">
-                <a16:creationId xmlns:a16="http://schemas.microsoft.com/office/drawing/2014/main" id="{DD4B46AB-DE5A-4429-8FD3-7C046E449311}"/>
+                <a16:creationId xmlns:a16="http://schemas.microsoft.com/office/drawing/2014/main" xmlns="" id="{DD4B46AB-DE5A-4429-8FD3-7C046E449311}"/>
               </a:ext>
             </a:extLst>
           </p:cNvPr>
@@ -5314,7 +5289,7 @@
           <p:cNvPr id="40" name="Rectangle 39">
             <a:extLst>
               <a:ext uri="{FF2B5EF4-FFF2-40B4-BE49-F238E27FC236}">
-                <a16:creationId xmlns:a16="http://schemas.microsoft.com/office/drawing/2014/main" id="{6E7A8418-DD28-448A-B0A7-C4261F74EE8B}"/>
+                <a16:creationId xmlns:a16="http://schemas.microsoft.com/office/drawing/2014/main" xmlns="" id="{6E7A8418-DD28-448A-B0A7-C4261F74EE8B}"/>
               </a:ext>
             </a:extLst>
           </p:cNvPr>
@@ -5370,7 +5345,7 @@
           <p:cNvPr id="41" name="Rectangle 40">
             <a:extLst>
               <a:ext uri="{FF2B5EF4-FFF2-40B4-BE49-F238E27FC236}">
-                <a16:creationId xmlns:a16="http://schemas.microsoft.com/office/drawing/2014/main" id="{5CD66347-36AE-4169-9711-E2BC1345FB6B}"/>
+                <a16:creationId xmlns:a16="http://schemas.microsoft.com/office/drawing/2014/main" xmlns="" id="{5CD66347-36AE-4169-9711-E2BC1345FB6B}"/>
               </a:ext>
             </a:extLst>
           </p:cNvPr>
@@ -5419,7 +5394,7 @@
           <p:cNvPr id="42" name="Rectangle 41">
             <a:extLst>
               <a:ext uri="{FF2B5EF4-FFF2-40B4-BE49-F238E27FC236}">
-                <a16:creationId xmlns:a16="http://schemas.microsoft.com/office/drawing/2014/main" id="{8BB4F364-522C-4EE4-862D-0BB308E7FE63}"/>
+                <a16:creationId xmlns:a16="http://schemas.microsoft.com/office/drawing/2014/main" xmlns="" id="{8BB4F364-522C-4EE4-862D-0BB308E7FE63}"/>
               </a:ext>
             </a:extLst>
           </p:cNvPr>
@@ -5468,7 +5443,7 @@
           <p:cNvPr id="43" name="Rectangle 42">
             <a:extLst>
               <a:ext uri="{FF2B5EF4-FFF2-40B4-BE49-F238E27FC236}">
-                <a16:creationId xmlns:a16="http://schemas.microsoft.com/office/drawing/2014/main" id="{CC0C5712-FDD8-4F72-9DAA-0C67C8012CB3}"/>
+                <a16:creationId xmlns:a16="http://schemas.microsoft.com/office/drawing/2014/main" xmlns="" id="{CC0C5712-FDD8-4F72-9DAA-0C67C8012CB3}"/>
               </a:ext>
             </a:extLst>
           </p:cNvPr>
@@ -5517,7 +5492,7 @@
           <p:cNvPr id="44" name="Rectangle: Rounded Corners 43">
             <a:extLst>
               <a:ext uri="{FF2B5EF4-FFF2-40B4-BE49-F238E27FC236}">
-                <a16:creationId xmlns:a16="http://schemas.microsoft.com/office/drawing/2014/main" id="{CCEA2D55-005C-4E94-8896-B848EE5550B0}"/>
+                <a16:creationId xmlns:a16="http://schemas.microsoft.com/office/drawing/2014/main" xmlns="" id="{CCEA2D55-005C-4E94-8896-B848EE5550B0}"/>
               </a:ext>
             </a:extLst>
           </p:cNvPr>
@@ -5566,7 +5541,7 @@
           <p:cNvPr id="47" name="Rectangle 46">
             <a:extLst>
               <a:ext uri="{FF2B5EF4-FFF2-40B4-BE49-F238E27FC236}">
-                <a16:creationId xmlns:a16="http://schemas.microsoft.com/office/drawing/2014/main" id="{0D2C4A5E-3C15-42CC-9D8A-C237489D10CA}"/>
+                <a16:creationId xmlns:a16="http://schemas.microsoft.com/office/drawing/2014/main" xmlns="" id="{0D2C4A5E-3C15-42CC-9D8A-C237489D10CA}"/>
               </a:ext>
             </a:extLst>
           </p:cNvPr>
@@ -5615,7 +5590,7 @@
           <p:cNvPr id="48" name="Rectangle: Rounded Corners 47">
             <a:extLst>
               <a:ext uri="{FF2B5EF4-FFF2-40B4-BE49-F238E27FC236}">
-                <a16:creationId xmlns:a16="http://schemas.microsoft.com/office/drawing/2014/main" id="{5F04CEE7-AFD3-477F-A937-D5204782D12E}"/>
+                <a16:creationId xmlns:a16="http://schemas.microsoft.com/office/drawing/2014/main" xmlns="" id="{5F04CEE7-AFD3-477F-A937-D5204782D12E}"/>
               </a:ext>
             </a:extLst>
           </p:cNvPr>
@@ -5664,7 +5639,7 @@
           <p:cNvPr id="50" name="Straight Arrow Connector 49">
             <a:extLst>
               <a:ext uri="{FF2B5EF4-FFF2-40B4-BE49-F238E27FC236}">
-                <a16:creationId xmlns:a16="http://schemas.microsoft.com/office/drawing/2014/main" id="{1AD9C969-3FE4-4D0E-A0C4-92171130228F}"/>
+                <a16:creationId xmlns:a16="http://schemas.microsoft.com/office/drawing/2014/main" xmlns="" id="{1AD9C969-3FE4-4D0E-A0C4-92171130228F}"/>
               </a:ext>
             </a:extLst>
           </p:cNvPr>
@@ -5705,7 +5680,7 @@
           <p:cNvPr id="51" name="Straight Arrow Connector 50">
             <a:extLst>
               <a:ext uri="{FF2B5EF4-FFF2-40B4-BE49-F238E27FC236}">
-                <a16:creationId xmlns:a16="http://schemas.microsoft.com/office/drawing/2014/main" id="{CD8300A3-816A-4D92-BE75-D013E23E201D}"/>
+                <a16:creationId xmlns:a16="http://schemas.microsoft.com/office/drawing/2014/main" xmlns="" id="{CD8300A3-816A-4D92-BE75-D013E23E201D}"/>
               </a:ext>
             </a:extLst>
           </p:cNvPr>
@@ -5746,7 +5721,7 @@
           <p:cNvPr id="54" name="Straight Arrow Connector 53">
             <a:extLst>
               <a:ext uri="{FF2B5EF4-FFF2-40B4-BE49-F238E27FC236}">
-                <a16:creationId xmlns:a16="http://schemas.microsoft.com/office/drawing/2014/main" id="{C9F6AD59-EC5E-401B-A21B-A4B8B11FCD24}"/>
+                <a16:creationId xmlns:a16="http://schemas.microsoft.com/office/drawing/2014/main" xmlns="" id="{C9F6AD59-EC5E-401B-A21B-A4B8B11FCD24}"/>
               </a:ext>
             </a:extLst>
           </p:cNvPr>
@@ -5787,7 +5762,7 @@
           <p:cNvPr id="59" name="Straight Arrow Connector 58">
             <a:extLst>
               <a:ext uri="{FF2B5EF4-FFF2-40B4-BE49-F238E27FC236}">
-                <a16:creationId xmlns:a16="http://schemas.microsoft.com/office/drawing/2014/main" id="{22D53453-E486-44B5-9518-3DF9B8BA8D21}"/>
+                <a16:creationId xmlns:a16="http://schemas.microsoft.com/office/drawing/2014/main" xmlns="" id="{22D53453-E486-44B5-9518-3DF9B8BA8D21}"/>
               </a:ext>
             </a:extLst>
           </p:cNvPr>
@@ -5826,7 +5801,7 @@
           <p:cNvPr id="60" name="Straight Arrow Connector 59">
             <a:extLst>
               <a:ext uri="{FF2B5EF4-FFF2-40B4-BE49-F238E27FC236}">
-                <a16:creationId xmlns:a16="http://schemas.microsoft.com/office/drawing/2014/main" id="{A16A2E7F-5C5A-4518-9679-7441D493CC0E}"/>
+                <a16:creationId xmlns:a16="http://schemas.microsoft.com/office/drawing/2014/main" xmlns="" id="{A16A2E7F-5C5A-4518-9679-7441D493CC0E}"/>
               </a:ext>
             </a:extLst>
           </p:cNvPr>
@@ -5867,7 +5842,7 @@
           <p:cNvPr id="62" name="Straight Arrow Connector 61">
             <a:extLst>
               <a:ext uri="{FF2B5EF4-FFF2-40B4-BE49-F238E27FC236}">
-                <a16:creationId xmlns:a16="http://schemas.microsoft.com/office/drawing/2014/main" id="{BFDF33E0-EF41-4147-A03D-914735AC3F14}"/>
+                <a16:creationId xmlns:a16="http://schemas.microsoft.com/office/drawing/2014/main" xmlns="" id="{BFDF33E0-EF41-4147-A03D-914735AC3F14}"/>
               </a:ext>
             </a:extLst>
           </p:cNvPr>
@@ -5908,7 +5883,7 @@
           <p:cNvPr id="65" name="Straight Arrow Connector 64">
             <a:extLst>
               <a:ext uri="{FF2B5EF4-FFF2-40B4-BE49-F238E27FC236}">
-                <a16:creationId xmlns:a16="http://schemas.microsoft.com/office/drawing/2014/main" id="{7A8C8610-DB25-4062-8D9C-E02B0A2D0620}"/>
+                <a16:creationId xmlns:a16="http://schemas.microsoft.com/office/drawing/2014/main" xmlns="" id="{7A8C8610-DB25-4062-8D9C-E02B0A2D0620}"/>
               </a:ext>
             </a:extLst>
           </p:cNvPr>
@@ -5949,7 +5924,7 @@
           <p:cNvPr id="71" name="Straight Connector 70">
             <a:extLst>
               <a:ext uri="{FF2B5EF4-FFF2-40B4-BE49-F238E27FC236}">
-                <a16:creationId xmlns:a16="http://schemas.microsoft.com/office/drawing/2014/main" id="{0D4E70EA-249E-453F-A7EF-7A0D32FBB890}"/>
+                <a16:creationId xmlns:a16="http://schemas.microsoft.com/office/drawing/2014/main" xmlns="" id="{0D4E70EA-249E-453F-A7EF-7A0D32FBB890}"/>
               </a:ext>
             </a:extLst>
           </p:cNvPr>
@@ -5987,7 +5962,7 @@
           <p:cNvPr id="74" name="Straight Connector 73">
             <a:extLst>
               <a:ext uri="{FF2B5EF4-FFF2-40B4-BE49-F238E27FC236}">
-                <a16:creationId xmlns:a16="http://schemas.microsoft.com/office/drawing/2014/main" id="{867E9C36-07C7-4CDE-AD19-DE1412AB3CE3}"/>
+                <a16:creationId xmlns:a16="http://schemas.microsoft.com/office/drawing/2014/main" xmlns="" id="{867E9C36-07C7-4CDE-AD19-DE1412AB3CE3}"/>
               </a:ext>
             </a:extLst>
           </p:cNvPr>
@@ -6025,7 +6000,7 @@
           <p:cNvPr id="80" name="Straight Connector 79">
             <a:extLst>
               <a:ext uri="{FF2B5EF4-FFF2-40B4-BE49-F238E27FC236}">
-                <a16:creationId xmlns:a16="http://schemas.microsoft.com/office/drawing/2014/main" id="{B509B224-4658-46BC-8DCB-CFD21726E4BD}"/>
+                <a16:creationId xmlns:a16="http://schemas.microsoft.com/office/drawing/2014/main" xmlns="" id="{B509B224-4658-46BC-8DCB-CFD21726E4BD}"/>
               </a:ext>
             </a:extLst>
           </p:cNvPr>
@@ -6064,7 +6039,7 @@
           <p:cNvPr id="82" name="Straight Connector 81">
             <a:extLst>
               <a:ext uri="{FF2B5EF4-FFF2-40B4-BE49-F238E27FC236}">
-                <a16:creationId xmlns:a16="http://schemas.microsoft.com/office/drawing/2014/main" id="{81F85054-B436-4877-A214-99F4EEDFB17C}"/>
+                <a16:creationId xmlns:a16="http://schemas.microsoft.com/office/drawing/2014/main" xmlns="" id="{81F85054-B436-4877-A214-99F4EEDFB17C}"/>
               </a:ext>
             </a:extLst>
           </p:cNvPr>
@@ -6100,7 +6075,7 @@
           <p:cNvPr id="85" name="Straight Arrow Connector 84">
             <a:extLst>
               <a:ext uri="{FF2B5EF4-FFF2-40B4-BE49-F238E27FC236}">
-                <a16:creationId xmlns:a16="http://schemas.microsoft.com/office/drawing/2014/main" id="{92F6D18E-2E9D-4079-82EF-E2A3C0B54B34}"/>
+                <a16:creationId xmlns:a16="http://schemas.microsoft.com/office/drawing/2014/main" xmlns="" id="{92F6D18E-2E9D-4079-82EF-E2A3C0B54B34}"/>
               </a:ext>
             </a:extLst>
           </p:cNvPr>
@@ -6141,7 +6116,7 @@
           <p:cNvPr id="87" name="Cylinder 86">
             <a:extLst>
               <a:ext uri="{FF2B5EF4-FFF2-40B4-BE49-F238E27FC236}">
-                <a16:creationId xmlns:a16="http://schemas.microsoft.com/office/drawing/2014/main" id="{B627D8E6-70C1-43C4-8515-083E7BD74DD1}"/>
+                <a16:creationId xmlns:a16="http://schemas.microsoft.com/office/drawing/2014/main" xmlns="" id="{B627D8E6-70C1-43C4-8515-083E7BD74DD1}"/>
               </a:ext>
             </a:extLst>
           </p:cNvPr>
@@ -6190,7 +6165,7 @@
           <p:cNvPr id="91" name="Cylinder 90">
             <a:extLst>
               <a:ext uri="{FF2B5EF4-FFF2-40B4-BE49-F238E27FC236}">
-                <a16:creationId xmlns:a16="http://schemas.microsoft.com/office/drawing/2014/main" id="{31568D49-AECD-4E2E-9BD4-98A77E27F24B}"/>
+                <a16:creationId xmlns:a16="http://schemas.microsoft.com/office/drawing/2014/main" xmlns="" id="{31568D49-AECD-4E2E-9BD4-98A77E27F24B}"/>
               </a:ext>
             </a:extLst>
           </p:cNvPr>
@@ -6239,7 +6214,7 @@
           <p:cNvPr id="92" name="Cylinder 91">
             <a:extLst>
               <a:ext uri="{FF2B5EF4-FFF2-40B4-BE49-F238E27FC236}">
-                <a16:creationId xmlns:a16="http://schemas.microsoft.com/office/drawing/2014/main" id="{2EE9E7ED-2D98-4F67-BF83-0013F7F41ADA}"/>
+                <a16:creationId xmlns:a16="http://schemas.microsoft.com/office/drawing/2014/main" xmlns="" id="{2EE9E7ED-2D98-4F67-BF83-0013F7F41ADA}"/>
               </a:ext>
             </a:extLst>
           </p:cNvPr>
@@ -6288,7 +6263,7 @@
           <p:cNvPr id="93" name="Cylinder 92">
             <a:extLst>
               <a:ext uri="{FF2B5EF4-FFF2-40B4-BE49-F238E27FC236}">
-                <a16:creationId xmlns:a16="http://schemas.microsoft.com/office/drawing/2014/main" id="{7A83EDDD-FD67-48D8-B259-04B759624BAE}"/>
+                <a16:creationId xmlns:a16="http://schemas.microsoft.com/office/drawing/2014/main" xmlns="" id="{7A83EDDD-FD67-48D8-B259-04B759624BAE}"/>
               </a:ext>
             </a:extLst>
           </p:cNvPr>
@@ -6337,7 +6312,7 @@
           <p:cNvPr id="95" name="Straight Arrow Connector 94">
             <a:extLst>
               <a:ext uri="{FF2B5EF4-FFF2-40B4-BE49-F238E27FC236}">
-                <a16:creationId xmlns:a16="http://schemas.microsoft.com/office/drawing/2014/main" id="{F0119B1B-19C3-4100-83F7-A02B18866190}"/>
+                <a16:creationId xmlns:a16="http://schemas.microsoft.com/office/drawing/2014/main" xmlns="" id="{F0119B1B-19C3-4100-83F7-A02B18866190}"/>
               </a:ext>
             </a:extLst>
           </p:cNvPr>
@@ -6378,7 +6353,7 @@
           <p:cNvPr id="97" name="Straight Arrow Connector 96">
             <a:extLst>
               <a:ext uri="{FF2B5EF4-FFF2-40B4-BE49-F238E27FC236}">
-                <a16:creationId xmlns:a16="http://schemas.microsoft.com/office/drawing/2014/main" id="{9E5CFACD-E43A-4F4E-9CAD-AAC0E481003E}"/>
+                <a16:creationId xmlns:a16="http://schemas.microsoft.com/office/drawing/2014/main" xmlns="" id="{9E5CFACD-E43A-4F4E-9CAD-AAC0E481003E}"/>
               </a:ext>
             </a:extLst>
           </p:cNvPr>
@@ -6419,7 +6394,7 @@
           <p:cNvPr id="98" name="Straight Arrow Connector 97">
             <a:extLst>
               <a:ext uri="{FF2B5EF4-FFF2-40B4-BE49-F238E27FC236}">
-                <a16:creationId xmlns:a16="http://schemas.microsoft.com/office/drawing/2014/main" id="{56087C8F-7B23-47FD-A34A-A0405A99EEBA}"/>
+                <a16:creationId xmlns:a16="http://schemas.microsoft.com/office/drawing/2014/main" xmlns="" id="{56087C8F-7B23-47FD-A34A-A0405A99EEBA}"/>
               </a:ext>
             </a:extLst>
           </p:cNvPr>
@@ -6461,7 +6436,7 @@
           <p:cNvPr id="99" name="Straight Arrow Connector 98">
             <a:extLst>
               <a:ext uri="{FF2B5EF4-FFF2-40B4-BE49-F238E27FC236}">
-                <a16:creationId xmlns:a16="http://schemas.microsoft.com/office/drawing/2014/main" id="{2204CC53-E090-40DA-8C87-1F8019ED4DE7}"/>
+                <a16:creationId xmlns:a16="http://schemas.microsoft.com/office/drawing/2014/main" xmlns="" id="{2204CC53-E090-40DA-8C87-1F8019ED4DE7}"/>
               </a:ext>
             </a:extLst>
           </p:cNvPr>
@@ -6503,7 +6478,7 @@
           <p:cNvPr id="105" name="Straight Arrow Connector 104">
             <a:extLst>
               <a:ext uri="{FF2B5EF4-FFF2-40B4-BE49-F238E27FC236}">
-                <a16:creationId xmlns:a16="http://schemas.microsoft.com/office/drawing/2014/main" id="{93318BE8-C1FF-456B-8D95-39850F229C53}"/>
+                <a16:creationId xmlns:a16="http://schemas.microsoft.com/office/drawing/2014/main" xmlns="" id="{93318BE8-C1FF-456B-8D95-39850F229C53}"/>
               </a:ext>
             </a:extLst>
           </p:cNvPr>
@@ -6542,7 +6517,7 @@
           <p:cNvPr id="108" name="Straight Connector 107">
             <a:extLst>
               <a:ext uri="{FF2B5EF4-FFF2-40B4-BE49-F238E27FC236}">
-                <a16:creationId xmlns:a16="http://schemas.microsoft.com/office/drawing/2014/main" id="{4D16D773-73F4-473A-ACAB-CC7764A02646}"/>
+                <a16:creationId xmlns:a16="http://schemas.microsoft.com/office/drawing/2014/main" xmlns="" id="{4D16D773-73F4-473A-ACAB-CC7764A02646}"/>
               </a:ext>
             </a:extLst>
           </p:cNvPr>
@@ -6580,7 +6555,7 @@
           <p:cNvPr id="113" name="Straight Arrow Connector 112">
             <a:extLst>
               <a:ext uri="{FF2B5EF4-FFF2-40B4-BE49-F238E27FC236}">
-                <a16:creationId xmlns:a16="http://schemas.microsoft.com/office/drawing/2014/main" id="{76879038-486C-43E4-9820-F2B597402232}"/>
+                <a16:creationId xmlns:a16="http://schemas.microsoft.com/office/drawing/2014/main" xmlns="" id="{76879038-486C-43E4-9820-F2B597402232}"/>
               </a:ext>
             </a:extLst>
           </p:cNvPr>
@@ -6619,7 +6594,7 @@
           <p:cNvPr id="115" name="Straight Connector 114">
             <a:extLst>
               <a:ext uri="{FF2B5EF4-FFF2-40B4-BE49-F238E27FC236}">
-                <a16:creationId xmlns:a16="http://schemas.microsoft.com/office/drawing/2014/main" id="{06B84B65-878D-4280-B442-ABB9C16C01DA}"/>
+                <a16:creationId xmlns:a16="http://schemas.microsoft.com/office/drawing/2014/main" xmlns="" id="{06B84B65-878D-4280-B442-ABB9C16C01DA}"/>
               </a:ext>
             </a:extLst>
           </p:cNvPr>
@@ -6655,7 +6630,7 @@
           <p:cNvPr id="119" name="Straight Connector 118">
             <a:extLst>
               <a:ext uri="{FF2B5EF4-FFF2-40B4-BE49-F238E27FC236}">
-                <a16:creationId xmlns:a16="http://schemas.microsoft.com/office/drawing/2014/main" id="{60727B13-086A-4D88-90C6-12B56C26A395}"/>
+                <a16:creationId xmlns:a16="http://schemas.microsoft.com/office/drawing/2014/main" xmlns="" id="{60727B13-086A-4D88-90C6-12B56C26A395}"/>
               </a:ext>
             </a:extLst>
           </p:cNvPr>
@@ -6694,7 +6669,7 @@
           <p:cNvPr id="121" name="Straight Connector 120">
             <a:extLst>
               <a:ext uri="{FF2B5EF4-FFF2-40B4-BE49-F238E27FC236}">
-                <a16:creationId xmlns:a16="http://schemas.microsoft.com/office/drawing/2014/main" id="{62197906-13AF-46CE-A891-1FCBA7242F34}"/>
+                <a16:creationId xmlns:a16="http://schemas.microsoft.com/office/drawing/2014/main" xmlns="" id="{62197906-13AF-46CE-A891-1FCBA7242F34}"/>
               </a:ext>
             </a:extLst>
           </p:cNvPr>
@@ -6732,7 +6707,7 @@
           <p:cNvPr id="129" name="Straight Arrow Connector 128">
             <a:extLst>
               <a:ext uri="{FF2B5EF4-FFF2-40B4-BE49-F238E27FC236}">
-                <a16:creationId xmlns:a16="http://schemas.microsoft.com/office/drawing/2014/main" id="{9A5E74F8-AB0E-47E9-BA8D-BEF27AF070E0}"/>
+                <a16:creationId xmlns:a16="http://schemas.microsoft.com/office/drawing/2014/main" xmlns="" id="{9A5E74F8-AB0E-47E9-BA8D-BEF27AF070E0}"/>
               </a:ext>
             </a:extLst>
           </p:cNvPr>
@@ -6773,7 +6748,7 @@
           <p:cNvPr id="134" name="Straight Connector 133">
             <a:extLst>
               <a:ext uri="{FF2B5EF4-FFF2-40B4-BE49-F238E27FC236}">
-                <a16:creationId xmlns:a16="http://schemas.microsoft.com/office/drawing/2014/main" id="{6790A153-4E2B-4CC9-996B-54CF9768A2D9}"/>
+                <a16:creationId xmlns:a16="http://schemas.microsoft.com/office/drawing/2014/main" xmlns="" id="{6790A153-4E2B-4CC9-996B-54CF9768A2D9}"/>
               </a:ext>
             </a:extLst>
           </p:cNvPr>
@@ -6811,7 +6786,7 @@
           <p:cNvPr id="135" name="Straight Connector 134">
             <a:extLst>
               <a:ext uri="{FF2B5EF4-FFF2-40B4-BE49-F238E27FC236}">
-                <a16:creationId xmlns:a16="http://schemas.microsoft.com/office/drawing/2014/main" id="{3E8B6D69-B704-4028-B26D-7F4B26395528}"/>
+                <a16:creationId xmlns:a16="http://schemas.microsoft.com/office/drawing/2014/main" xmlns="" id="{3E8B6D69-B704-4028-B26D-7F4B26395528}"/>
               </a:ext>
             </a:extLst>
           </p:cNvPr>
@@ -6849,7 +6824,7 @@
           <p:cNvPr id="140" name="Straight Arrow Connector 139">
             <a:extLst>
               <a:ext uri="{FF2B5EF4-FFF2-40B4-BE49-F238E27FC236}">
-                <a16:creationId xmlns:a16="http://schemas.microsoft.com/office/drawing/2014/main" id="{B78A9A96-4770-4878-ABD5-97CC7E96D5E8}"/>
+                <a16:creationId xmlns:a16="http://schemas.microsoft.com/office/drawing/2014/main" xmlns="" id="{B78A9A96-4770-4878-ABD5-97CC7E96D5E8}"/>
               </a:ext>
             </a:extLst>
           </p:cNvPr>
@@ -6888,7 +6863,7 @@
           <p:cNvPr id="145" name="Straight Connector 144">
             <a:extLst>
               <a:ext uri="{FF2B5EF4-FFF2-40B4-BE49-F238E27FC236}">
-                <a16:creationId xmlns:a16="http://schemas.microsoft.com/office/drawing/2014/main" id="{BBDA61A8-ED7E-4F4A-BCFC-9DA8D16C53AF}"/>
+                <a16:creationId xmlns:a16="http://schemas.microsoft.com/office/drawing/2014/main" xmlns="" id="{BBDA61A8-ED7E-4F4A-BCFC-9DA8D16C53AF}"/>
               </a:ext>
             </a:extLst>
           </p:cNvPr>
@@ -6924,7 +6899,7 @@
           <p:cNvPr id="146" name="Straight Connector 145">
             <a:extLst>
               <a:ext uri="{FF2B5EF4-FFF2-40B4-BE49-F238E27FC236}">
-                <a16:creationId xmlns:a16="http://schemas.microsoft.com/office/drawing/2014/main" id="{E197F98C-4E56-4B85-B198-5A341FD0ED24}"/>
+                <a16:creationId xmlns:a16="http://schemas.microsoft.com/office/drawing/2014/main" xmlns="" id="{E197F98C-4E56-4B85-B198-5A341FD0ED24}"/>
               </a:ext>
             </a:extLst>
           </p:cNvPr>
@@ -6962,7 +6937,7 @@
           <p:cNvPr id="151" name="Straight Arrow Connector 150">
             <a:extLst>
               <a:ext uri="{FF2B5EF4-FFF2-40B4-BE49-F238E27FC236}">
-                <a16:creationId xmlns:a16="http://schemas.microsoft.com/office/drawing/2014/main" id="{76624AD7-4E8D-44E8-BDCB-43FC05250AA0}"/>
+                <a16:creationId xmlns:a16="http://schemas.microsoft.com/office/drawing/2014/main" xmlns="" id="{76624AD7-4E8D-44E8-BDCB-43FC05250AA0}"/>
               </a:ext>
             </a:extLst>
           </p:cNvPr>
@@ -7001,7 +6976,7 @@
           <p:cNvPr id="153" name="TextBox 152">
             <a:extLst>
               <a:ext uri="{FF2B5EF4-FFF2-40B4-BE49-F238E27FC236}">
-                <a16:creationId xmlns:a16="http://schemas.microsoft.com/office/drawing/2014/main" id="{72042C75-0248-4CFD-B72B-E0D92BED9C5E}"/>
+                <a16:creationId xmlns:a16="http://schemas.microsoft.com/office/drawing/2014/main" xmlns="" id="{72042C75-0248-4CFD-B72B-E0D92BED9C5E}"/>
               </a:ext>
             </a:extLst>
           </p:cNvPr>
@@ -7036,7 +7011,7 @@
           <p:cNvPr id="55" name="TextBox 54">
             <a:extLst>
               <a:ext uri="{FF2B5EF4-FFF2-40B4-BE49-F238E27FC236}">
-                <a16:creationId xmlns:a16="http://schemas.microsoft.com/office/drawing/2014/main" id="{3B7D42C3-65B6-43DE-BCDA-2BEEC9238DED}"/>
+                <a16:creationId xmlns:a16="http://schemas.microsoft.com/office/drawing/2014/main" xmlns="" id="{3B7D42C3-65B6-43DE-BCDA-2BEEC9238DED}"/>
               </a:ext>
             </a:extLst>
           </p:cNvPr>
@@ -7101,7 +7076,7 @@
           <p:cNvPr id="2" name="Title 1">
             <a:extLst>
               <a:ext uri="{FF2B5EF4-FFF2-40B4-BE49-F238E27FC236}">
-                <a16:creationId xmlns:a16="http://schemas.microsoft.com/office/drawing/2014/main" id="{A905B16B-D4D3-4475-9B7A-3E2FFD9E63F4}"/>
+                <a16:creationId xmlns:a16="http://schemas.microsoft.com/office/drawing/2014/main" xmlns="" id="{A905B16B-D4D3-4475-9B7A-3E2FFD9E63F4}"/>
               </a:ext>
             </a:extLst>
           </p:cNvPr>
@@ -7129,7 +7104,7 @@
           <p:cNvPr id="3" name="Content Placeholder 2">
             <a:extLst>
               <a:ext uri="{FF2B5EF4-FFF2-40B4-BE49-F238E27FC236}">
-                <a16:creationId xmlns:a16="http://schemas.microsoft.com/office/drawing/2014/main" id="{3F4FE213-6143-46AF-90CD-09CCC184FFA4}"/>
+                <a16:creationId xmlns:a16="http://schemas.microsoft.com/office/drawing/2014/main" xmlns="" id="{3F4FE213-6143-46AF-90CD-09CCC184FFA4}"/>
               </a:ext>
             </a:extLst>
           </p:cNvPr>
@@ -7143,32 +7118,73 @@
         <p:spPr/>
         <p:txBody>
           <a:bodyPr>
-            <a:normAutofit fontScale="92500" lnSpcReduction="20000"/>
+            <a:normAutofit fontScale="92500" lnSpcReduction="10000"/>
           </a:bodyPr>
           <a:lstStyle/>
           <a:p>
             <a:r>
               <a:rPr lang="en-IN" dirty="0"/>
-              <a:t>Inside the project we have implemented corejava language, spring rest methods, database connectivity, crud operations,  3 user-defined exceptions so that flow of execution of project does not stop at any point of time. This spring boot jpa project will act as a bridge between relational database i.e.; and object-oriented domain model i.e. business logic written in java. We have used Data Access Object(DAO) design pattern and Model View Controller(MVC) design pattern in our project.</a:t>
-            </a:r>
-          </a:p>
-          <a:p>
+              <a:t>Inside the project </a:t>
+            </a:r>
+            <a:r>
+              <a:rPr lang="en-IN" dirty="0" err="1"/>
+              <a:t>i</a:t>
+            </a:r>
+            <a:r>
+              <a:rPr lang="en-IN" dirty="0" smtClean="0"/>
+              <a:t> </a:t>
+            </a:r>
             <a:r>
               <a:rPr lang="en-IN" dirty="0"/>
-              <a:t>We have different packages such as config, entity , repository, service, controller etc. so that we can bring clarity to our code.</a:t>
-            </a:r>
-          </a:p>
-          <a:p>
+              <a:t>have implemented corejava language, spring rest methods, database connectivity, crud operations,  3 user-defined exceptions so that flow of execution of project does not stop at any point of time. This spring boot jpa project will act as a bridge between relational database </a:t>
+            </a:r>
+            <a:r>
+              <a:rPr lang="en-IN" dirty="0" smtClean="0"/>
+              <a:t>and </a:t>
+            </a:r>
             <a:r>
               <a:rPr lang="en-IN" dirty="0"/>
-              <a:t>We have request mapping at class level as well as on method level also. We are using Advanced Rest Client software to run the code on web.</a:t>
+              <a:t>object-oriented domain model i.e. business logic written in java. We have used Data Access Object(DAO) design pattern and Model View Controller(MVC) design pattern in our project.</a:t>
             </a:r>
           </a:p>
           <a:p>
             <a:r>
               <a:rPr lang="en-IN" dirty="0"/>
-              <a:t>It is mainly a console based application as of now but for future enhancement I will make it as a web application using Spring MVC .</a:t>
-            </a:r>
+              <a:t>I</a:t>
+            </a:r>
+            <a:r>
+              <a:rPr lang="en-IN" dirty="0" smtClean="0"/>
+              <a:t> </a:t>
+            </a:r>
+            <a:r>
+              <a:rPr lang="en-IN" dirty="0"/>
+              <a:t>have </a:t>
+            </a:r>
+            <a:r>
+              <a:rPr lang="en-IN" dirty="0" smtClean="0"/>
+              <a:t>used different </a:t>
+            </a:r>
+            <a:r>
+              <a:rPr lang="en-IN" dirty="0"/>
+              <a:t>packages such as config, entity , repository, service, controller etc. so that we can bring clarity to our code.</a:t>
+            </a:r>
+          </a:p>
+          <a:p>
+            <a:r>
+              <a:rPr lang="en-IN" dirty="0" smtClean="0"/>
+              <a:t>I </a:t>
+            </a:r>
+            <a:r>
+              <a:rPr lang="en-IN" dirty="0" smtClean="0"/>
+              <a:t>have implemented </a:t>
+            </a:r>
+            <a:r>
+              <a:rPr lang="en-IN" dirty="0"/>
+              <a:t>request mapping at class level as well as on method level also. We are using Advanced Rest Client software to run the code on web.</a:t>
+            </a:r>
+          </a:p>
+          <a:p>
+            <a:endParaRPr lang="en-IN" dirty="0"/>
           </a:p>
         </p:txBody>
       </p:sp>
@@ -7177,7 +7193,7 @@
           <p:cNvPr id="4" name="TextBox 3">
             <a:extLst>
               <a:ext uri="{FF2B5EF4-FFF2-40B4-BE49-F238E27FC236}">
-                <a16:creationId xmlns:a16="http://schemas.microsoft.com/office/drawing/2014/main" id="{AC41C1E4-EEE5-4AAB-B0CD-8E2CB46E73C9}"/>
+                <a16:creationId xmlns:a16="http://schemas.microsoft.com/office/drawing/2014/main" xmlns="" id="{AC41C1E4-EEE5-4AAB-B0CD-8E2CB46E73C9}"/>
               </a:ext>
             </a:extLst>
           </p:cNvPr>
